--- a/Yu Feng CRC-fungi-Re1 (JY)/S_fig5-Re1 (JY).pptx
+++ b/Yu Feng CRC-fungi-Re1 (JY)/S_fig5-Re1 (JY).pptx
@@ -10,7 +10,7 @@
   <p:sldIdLst>
     <p:sldId id="256" r:id="rId2"/>
   </p:sldIdLst>
-  <p:sldSz cx="32399288" cy="12599988"/>
+  <p:sldSz cx="34199513" cy="12599988"/>
   <p:notesSz cx="6858000" cy="9144000"/>
   <p:defaultTextStyle>
     <a:defPPr>
@@ -129,9 +129,9 @@
 
 <file path=ppt/comments/comment1.xml><?xml version="1.0" encoding="utf-8"?>
 <p:cmLst xmlns:a="http://schemas.openxmlformats.org/drawingml/2006/main" xmlns:r="http://schemas.openxmlformats.org/officeDocument/2006/relationships" xmlns:p="http://schemas.openxmlformats.org/presentationml/2006/main">
-  <p:cm authorId="1" dt="2021-10-19T10:21:42.308" idx="1">
-    <p:pos x="1753" y="6103"/>
-    <p:text>add S fig legend</p:text>
+  <p:cm authorId="1" dt="2021-10-19T10:25:35.156" idx="1">
+    <p:pos x="1834" y="6042"/>
+    <p:text>add s fig legend</p:text>
     <p:extLst>
       <p:ext uri="{C676402C-5697-4E1C-873F-D02D1690AC5C}">
         <p15:threadingInfo xmlns:p15="http://schemas.microsoft.com/office/powerpoint/2012/main" timeZoneBias="-480"/>
@@ -241,8 +241,8 @@
         </p:nvSpPr>
         <p:spPr>
           <a:xfrm>
-            <a:off x="-538163" y="1143000"/>
-            <a:ext cx="7934326" cy="3086100"/>
+            <a:off x="-758825" y="1143000"/>
+            <a:ext cx="8375650" cy="3086100"/>
           </a:xfrm>
           <a:prstGeom prst="rect">
             <a:avLst/>
@@ -520,8 +520,8 @@
         </p:nvSpPr>
         <p:spPr>
           <a:xfrm>
-            <a:off x="-538163" y="1143000"/>
-            <a:ext cx="7934326" cy="3086100"/>
+            <a:off x="-758825" y="1143000"/>
+            <a:ext cx="8375650" cy="3086100"/>
           </a:xfrm>
         </p:spPr>
       </p:sp>
@@ -609,8 +609,8 @@
         </p:nvSpPr>
         <p:spPr>
           <a:xfrm>
-            <a:off x="4049911" y="2062083"/>
-            <a:ext cx="24299466" cy="4386662"/>
+            <a:off x="4274939" y="2062083"/>
+            <a:ext cx="25649635" cy="4386662"/>
           </a:xfrm>
         </p:spPr>
         <p:txBody>
@@ -641,8 +641,8 @@
         </p:nvSpPr>
         <p:spPr>
           <a:xfrm>
-            <a:off x="4049911" y="6617911"/>
-            <a:ext cx="24299466" cy="3042080"/>
+            <a:off x="4274939" y="6617911"/>
+            <a:ext cx="25649635" cy="3042080"/>
           </a:xfrm>
         </p:spPr>
         <p:txBody>
@@ -762,7 +762,7 @@
     </p:spTree>
     <p:extLst>
       <p:ext uri="{BB962C8B-B14F-4D97-AF65-F5344CB8AC3E}">
-        <p14:creationId xmlns:p14="http://schemas.microsoft.com/office/powerpoint/2010/main" val="1503245140"/>
+        <p14:creationId xmlns:p14="http://schemas.microsoft.com/office/powerpoint/2010/main" val="1884176839"/>
       </p:ext>
     </p:extLst>
   </p:cSld>
@@ -932,7 +932,7 @@
     </p:spTree>
     <p:extLst>
       <p:ext uri="{BB962C8B-B14F-4D97-AF65-F5344CB8AC3E}">
-        <p14:creationId xmlns:p14="http://schemas.microsoft.com/office/powerpoint/2010/main" val="472876478"/>
+        <p14:creationId xmlns:p14="http://schemas.microsoft.com/office/powerpoint/2010/main" val="2880929900"/>
       </p:ext>
     </p:extLst>
   </p:cSld>
@@ -971,8 +971,8 @@
         </p:nvSpPr>
         <p:spPr>
           <a:xfrm>
-            <a:off x="23185741" y="670833"/>
-            <a:ext cx="6986096" cy="10677907"/>
+            <a:off x="24474026" y="670833"/>
+            <a:ext cx="7374270" cy="10677907"/>
           </a:xfrm>
         </p:spPr>
         <p:txBody>
@@ -999,8 +999,8 @@
         </p:nvSpPr>
         <p:spPr>
           <a:xfrm>
-            <a:off x="2227451" y="670833"/>
-            <a:ext cx="20553298" cy="10677907"/>
+            <a:off x="2351217" y="670833"/>
+            <a:ext cx="21695316" cy="10677907"/>
           </a:xfrm>
         </p:spPr>
         <p:txBody>
@@ -1112,7 +1112,7 @@
     </p:spTree>
     <p:extLst>
       <p:ext uri="{BB962C8B-B14F-4D97-AF65-F5344CB8AC3E}">
-        <p14:creationId xmlns:p14="http://schemas.microsoft.com/office/powerpoint/2010/main" val="3838212023"/>
+        <p14:creationId xmlns:p14="http://schemas.microsoft.com/office/powerpoint/2010/main" val="3592755566"/>
       </p:ext>
     </p:extLst>
   </p:cSld>
@@ -1282,7 +1282,7 @@
     </p:spTree>
     <p:extLst>
       <p:ext uri="{BB962C8B-B14F-4D97-AF65-F5344CB8AC3E}">
-        <p14:creationId xmlns:p14="http://schemas.microsoft.com/office/powerpoint/2010/main" val="4062417600"/>
+        <p14:creationId xmlns:p14="http://schemas.microsoft.com/office/powerpoint/2010/main" val="1007779436"/>
       </p:ext>
     </p:extLst>
   </p:cSld>
@@ -1321,8 +1321,8 @@
         </p:nvSpPr>
         <p:spPr>
           <a:xfrm>
-            <a:off x="2210576" y="3141249"/>
-            <a:ext cx="27944386" cy="5241244"/>
+            <a:off x="2333404" y="3141249"/>
+            <a:ext cx="29497080" cy="5241244"/>
           </a:xfrm>
         </p:spPr>
         <p:txBody>
@@ -1353,8 +1353,8 @@
         </p:nvSpPr>
         <p:spPr>
           <a:xfrm>
-            <a:off x="2210576" y="8432077"/>
-            <a:ext cx="27944386" cy="2756246"/>
+            <a:off x="2333404" y="8432077"/>
+            <a:ext cx="29497080" cy="2756246"/>
           </a:xfrm>
         </p:spPr>
         <p:txBody>
@@ -1528,7 +1528,7 @@
     </p:spTree>
     <p:extLst>
       <p:ext uri="{BB962C8B-B14F-4D97-AF65-F5344CB8AC3E}">
-        <p14:creationId xmlns:p14="http://schemas.microsoft.com/office/powerpoint/2010/main" val="1546453256"/>
+        <p14:creationId xmlns:p14="http://schemas.microsoft.com/office/powerpoint/2010/main" val="203179585"/>
       </p:ext>
     </p:extLst>
   </p:cSld>
@@ -1590,8 +1590,8 @@
         </p:nvSpPr>
         <p:spPr>
           <a:xfrm>
-            <a:off x="2227451" y="3354163"/>
-            <a:ext cx="13769697" cy="7994577"/>
+            <a:off x="2351217" y="3354163"/>
+            <a:ext cx="14534793" cy="7994577"/>
           </a:xfrm>
         </p:spPr>
         <p:txBody>
@@ -1647,8 +1647,8 @@
         </p:nvSpPr>
         <p:spPr>
           <a:xfrm>
-            <a:off x="16402140" y="3354163"/>
-            <a:ext cx="13769697" cy="7994577"/>
+            <a:off x="17313503" y="3354163"/>
+            <a:ext cx="14534793" cy="7994577"/>
           </a:xfrm>
         </p:spPr>
         <p:txBody>
@@ -1760,7 +1760,7 @@
     </p:spTree>
     <p:extLst>
       <p:ext uri="{BB962C8B-B14F-4D97-AF65-F5344CB8AC3E}">
-        <p14:creationId xmlns:p14="http://schemas.microsoft.com/office/powerpoint/2010/main" val="2801815224"/>
+        <p14:creationId xmlns:p14="http://schemas.microsoft.com/office/powerpoint/2010/main" val="4262090050"/>
       </p:ext>
     </p:extLst>
   </p:cSld>
@@ -1799,8 +1799,8 @@
         </p:nvSpPr>
         <p:spPr>
           <a:xfrm>
-            <a:off x="2231671" y="670834"/>
-            <a:ext cx="27944386" cy="2435415"/>
+            <a:off x="2355671" y="670834"/>
+            <a:ext cx="29497080" cy="2435415"/>
           </a:xfrm>
         </p:spPr>
         <p:txBody>
@@ -1827,8 +1827,8 @@
         </p:nvSpPr>
         <p:spPr>
           <a:xfrm>
-            <a:off x="2231672" y="3088748"/>
-            <a:ext cx="13706416" cy="1513748"/>
+            <a:off x="2355672" y="3088748"/>
+            <a:ext cx="14467996" cy="1513748"/>
           </a:xfrm>
         </p:spPr>
         <p:txBody>
@@ -1892,8 +1892,8 @@
         </p:nvSpPr>
         <p:spPr>
           <a:xfrm>
-            <a:off x="2231672" y="4602496"/>
-            <a:ext cx="13706416" cy="6769578"/>
+            <a:off x="2355672" y="4602496"/>
+            <a:ext cx="14467996" cy="6769578"/>
           </a:xfrm>
         </p:spPr>
         <p:txBody>
@@ -1949,8 +1949,8 @@
         </p:nvSpPr>
         <p:spPr>
           <a:xfrm>
-            <a:off x="16402140" y="3088748"/>
-            <a:ext cx="13773917" cy="1513748"/>
+            <a:off x="17313504" y="3088748"/>
+            <a:ext cx="14539247" cy="1513748"/>
           </a:xfrm>
         </p:spPr>
         <p:txBody>
@@ -2014,8 +2014,8 @@
         </p:nvSpPr>
         <p:spPr>
           <a:xfrm>
-            <a:off x="16402140" y="4602496"/>
-            <a:ext cx="13773917" cy="6769578"/>
+            <a:off x="17313504" y="4602496"/>
+            <a:ext cx="14539247" cy="6769578"/>
           </a:xfrm>
         </p:spPr>
         <p:txBody>
@@ -2127,7 +2127,7 @@
     </p:spTree>
     <p:extLst>
       <p:ext uri="{BB962C8B-B14F-4D97-AF65-F5344CB8AC3E}">
-        <p14:creationId xmlns:p14="http://schemas.microsoft.com/office/powerpoint/2010/main" val="3885126781"/>
+        <p14:creationId xmlns:p14="http://schemas.microsoft.com/office/powerpoint/2010/main" val="3117788303"/>
       </p:ext>
     </p:extLst>
   </p:cSld>
@@ -2245,7 +2245,7 @@
     </p:spTree>
     <p:extLst>
       <p:ext uri="{BB962C8B-B14F-4D97-AF65-F5344CB8AC3E}">
-        <p14:creationId xmlns:p14="http://schemas.microsoft.com/office/powerpoint/2010/main" val="1744577124"/>
+        <p14:creationId xmlns:p14="http://schemas.microsoft.com/office/powerpoint/2010/main" val="3519416391"/>
       </p:ext>
     </p:extLst>
   </p:cSld>
@@ -2340,7 +2340,7 @@
     </p:spTree>
     <p:extLst>
       <p:ext uri="{BB962C8B-B14F-4D97-AF65-F5344CB8AC3E}">
-        <p14:creationId xmlns:p14="http://schemas.microsoft.com/office/powerpoint/2010/main" val="3878159571"/>
+        <p14:creationId xmlns:p14="http://schemas.microsoft.com/office/powerpoint/2010/main" val="1491178350"/>
       </p:ext>
     </p:extLst>
   </p:cSld>
@@ -2379,8 +2379,8 @@
         </p:nvSpPr>
         <p:spPr>
           <a:xfrm>
-            <a:off x="2231672" y="839999"/>
-            <a:ext cx="10449613" cy="2939997"/>
+            <a:off x="2355672" y="839999"/>
+            <a:ext cx="11030232" cy="2939997"/>
           </a:xfrm>
         </p:spPr>
         <p:txBody>
@@ -2411,8 +2411,8 @@
         </p:nvSpPr>
         <p:spPr>
           <a:xfrm>
-            <a:off x="13773917" y="1814166"/>
-            <a:ext cx="16402140" cy="8954158"/>
+            <a:off x="14539248" y="1814166"/>
+            <a:ext cx="17313503" cy="8954158"/>
           </a:xfrm>
         </p:spPr>
         <p:txBody>
@@ -2496,8 +2496,8 @@
         </p:nvSpPr>
         <p:spPr>
           <a:xfrm>
-            <a:off x="2231672" y="3779996"/>
-            <a:ext cx="10449613" cy="7002911"/>
+            <a:off x="2355672" y="3779996"/>
+            <a:ext cx="11030232" cy="7002911"/>
           </a:xfrm>
         </p:spPr>
         <p:txBody>
@@ -2617,7 +2617,7 @@
     </p:spTree>
     <p:extLst>
       <p:ext uri="{BB962C8B-B14F-4D97-AF65-F5344CB8AC3E}">
-        <p14:creationId xmlns:p14="http://schemas.microsoft.com/office/powerpoint/2010/main" val="1436076469"/>
+        <p14:creationId xmlns:p14="http://schemas.microsoft.com/office/powerpoint/2010/main" val="2254692333"/>
       </p:ext>
     </p:extLst>
   </p:cSld>
@@ -2656,8 +2656,8 @@
         </p:nvSpPr>
         <p:spPr>
           <a:xfrm>
-            <a:off x="2231672" y="839999"/>
-            <a:ext cx="10449613" cy="2939997"/>
+            <a:off x="2355672" y="839999"/>
+            <a:ext cx="11030232" cy="2939997"/>
           </a:xfrm>
         </p:spPr>
         <p:txBody>
@@ -2688,8 +2688,8 @@
         </p:nvSpPr>
         <p:spPr>
           <a:xfrm>
-            <a:off x="13773917" y="1814166"/>
-            <a:ext cx="16402140" cy="8954158"/>
+            <a:off x="14539248" y="1814166"/>
+            <a:ext cx="17313503" cy="8954158"/>
           </a:xfrm>
         </p:spPr>
         <p:txBody>
@@ -2753,8 +2753,8 @@
         </p:nvSpPr>
         <p:spPr>
           <a:xfrm>
-            <a:off x="2231672" y="3779996"/>
-            <a:ext cx="10449613" cy="7002911"/>
+            <a:off x="2355672" y="3779996"/>
+            <a:ext cx="11030232" cy="7002911"/>
           </a:xfrm>
         </p:spPr>
         <p:txBody>
@@ -2874,7 +2874,7 @@
     </p:spTree>
     <p:extLst>
       <p:ext uri="{BB962C8B-B14F-4D97-AF65-F5344CB8AC3E}">
-        <p14:creationId xmlns:p14="http://schemas.microsoft.com/office/powerpoint/2010/main" val="355152198"/>
+        <p14:creationId xmlns:p14="http://schemas.microsoft.com/office/powerpoint/2010/main" val="3274781586"/>
       </p:ext>
     </p:extLst>
   </p:cSld>
@@ -2918,8 +2918,8 @@
         </p:nvSpPr>
         <p:spPr>
           <a:xfrm>
-            <a:off x="2227451" y="670834"/>
-            <a:ext cx="27944386" cy="2435415"/>
+            <a:off x="2351217" y="670834"/>
+            <a:ext cx="29497080" cy="2435415"/>
           </a:xfrm>
           <a:prstGeom prst="rect">
             <a:avLst/>
@@ -2951,8 +2951,8 @@
         </p:nvSpPr>
         <p:spPr>
           <a:xfrm>
-            <a:off x="2227451" y="3354163"/>
-            <a:ext cx="27944386" cy="7994577"/>
+            <a:off x="2351217" y="3354163"/>
+            <a:ext cx="29497080" cy="7994577"/>
           </a:xfrm>
           <a:prstGeom prst="rect">
             <a:avLst/>
@@ -3013,8 +3013,8 @@
         </p:nvSpPr>
         <p:spPr>
           <a:xfrm>
-            <a:off x="2227451" y="11678323"/>
-            <a:ext cx="7289840" cy="670833"/>
+            <a:off x="2351217" y="11678323"/>
+            <a:ext cx="7694890" cy="670833"/>
           </a:xfrm>
           <a:prstGeom prst="rect">
             <a:avLst/>
@@ -3054,8 +3054,8 @@
         </p:nvSpPr>
         <p:spPr>
           <a:xfrm>
-            <a:off x="10732264" y="11678323"/>
-            <a:ext cx="10934760" cy="670833"/>
+            <a:off x="11328589" y="11678323"/>
+            <a:ext cx="11542336" cy="670833"/>
           </a:xfrm>
           <a:prstGeom prst="rect">
             <a:avLst/>
@@ -3091,8 +3091,8 @@
         </p:nvSpPr>
         <p:spPr>
           <a:xfrm>
-            <a:off x="22881997" y="11678323"/>
-            <a:ext cx="7289840" cy="670833"/>
+            <a:off x="24153406" y="11678323"/>
+            <a:ext cx="7694890" cy="670833"/>
           </a:xfrm>
           <a:prstGeom prst="rect">
             <a:avLst/>
@@ -3123,7 +3123,7 @@
     </p:spTree>
     <p:extLst>
       <p:ext uri="{BB962C8B-B14F-4D97-AF65-F5344CB8AC3E}">
-        <p14:creationId xmlns:p14="http://schemas.microsoft.com/office/powerpoint/2010/main" val="3671201112"/>
+        <p14:creationId xmlns:p14="http://schemas.microsoft.com/office/powerpoint/2010/main" val="2161384558"/>
       </p:ext>
     </p:extLst>
   </p:cSld>
@@ -3441,204 +3441,256 @@
           <a:chExt cx="0" cy="0"/>
         </a:xfrm>
       </p:grpSpPr>
-      <p:grpSp>
-        <p:nvGrpSpPr>
-          <p:cNvPr id="41" name="Group 40">
+      <p:pic>
+        <p:nvPicPr>
+          <p:cNvPr id="25" name="Picture 24">
             <a:extLst>
               <a:ext uri="{FF2B5EF4-FFF2-40B4-BE49-F238E27FC236}">
-                <a16:creationId xmlns:a16="http://schemas.microsoft.com/office/drawing/2014/main" id="{B51D0DEF-296E-47B9-9FB2-325D88596DFA}"/>
+                <a16:creationId xmlns:a16="http://schemas.microsoft.com/office/drawing/2014/main" id="{9E0C3179-8F65-429F-9943-CE39E3AF0737}"/>
               </a:ext>
             </a:extLst>
           </p:cNvPr>
-          <p:cNvGrpSpPr/>
+          <p:cNvPicPr>
+            <a:picLocks noChangeAspect="1"/>
+          </p:cNvPicPr>
           <p:nvPr/>
-        </p:nvGrpSpPr>
-        <p:grpSpPr>
+        </p:nvPicPr>
+        <p:blipFill>
+          <a:blip r:embed="rId3">
+            <a:extLst>
+              <a:ext uri="{28A0092B-C50C-407E-A947-70E740481C1C}">
+                <a14:useLocalDpi xmlns:a14="http://schemas.microsoft.com/office/drawing/2010/main" val="0"/>
+              </a:ext>
+            </a:extLst>
+          </a:blip>
+          <a:srcRect/>
+          <a:stretch/>
+        </p:blipFill>
+        <p:spPr>
           <a:xfrm>
-            <a:off x="428420" y="512153"/>
-            <a:ext cx="11190476" cy="8276246"/>
-            <a:chOff x="1150374" y="1759207"/>
-            <a:chExt cx="11190476" cy="8276246"/>
+            <a:off x="461335" y="1820793"/>
+            <a:ext cx="11555048" cy="6455699"/>
           </a:xfrm>
-        </p:grpSpPr>
-        <p:pic>
-          <p:nvPicPr>
-            <p:cNvPr id="42" name="Picture 41">
-              <a:extLst>
-                <a:ext uri="{FF2B5EF4-FFF2-40B4-BE49-F238E27FC236}">
-                  <a16:creationId xmlns:a16="http://schemas.microsoft.com/office/drawing/2014/main" id="{D37CF222-C31F-4267-9F6A-BB5990176253}"/>
-                </a:ext>
-              </a:extLst>
-            </p:cNvPr>
-            <p:cNvPicPr>
-              <a:picLocks noChangeAspect="1"/>
-            </p:cNvPicPr>
-            <p:nvPr/>
-          </p:nvPicPr>
-          <p:blipFill>
-            <a:blip r:embed="rId3"/>
-            <a:stretch>
-              <a:fillRect/>
-            </a:stretch>
-          </p:blipFill>
-          <p:spPr>
-            <a:xfrm>
-              <a:off x="1150374" y="2197358"/>
-              <a:ext cx="11190476" cy="7838095"/>
-            </a:xfrm>
-            <a:prstGeom prst="rect">
-              <a:avLst/>
-            </a:prstGeom>
-          </p:spPr>
-        </p:pic>
-        <p:sp>
-          <p:nvSpPr>
-            <p:cNvPr id="43" name="TextBox 42">
-              <a:extLst>
-                <a:ext uri="{FF2B5EF4-FFF2-40B4-BE49-F238E27FC236}">
-                  <a16:creationId xmlns:a16="http://schemas.microsoft.com/office/drawing/2014/main" id="{D6605EA0-4DD2-4652-B672-9D28203BFA5E}"/>
-                </a:ext>
-              </a:extLst>
-            </p:cNvPr>
-            <p:cNvSpPr txBox="1"/>
-            <p:nvPr/>
-          </p:nvSpPr>
-          <p:spPr>
-            <a:xfrm>
-              <a:off x="4319958" y="1759207"/>
-              <a:ext cx="2745688" cy="584775"/>
-            </a:xfrm>
-            <a:prstGeom prst="rect">
-              <a:avLst/>
-            </a:prstGeom>
-            <a:noFill/>
-          </p:spPr>
-          <p:txBody>
-            <a:bodyPr wrap="none" rtlCol="0">
-              <a:spAutoFit/>
-            </a:bodyPr>
-            <a:lstStyle/>
-            <a:p>
-              <a:pPr algn="ctr"/>
-              <a:r>
-                <a:rPr lang="en-US" altLang="zh-CN" sz="3200" dirty="0">
-                  <a:solidFill>
-                    <a:srgbClr val="57868C"/>
-                  </a:solidFill>
-                </a:rPr>
-                <a:t>Healthy control</a:t>
-              </a:r>
-              <a:endParaRPr lang="zh-CN" altLang="en-US" sz="3200" dirty="0">
+          <a:prstGeom prst="rect">
+            <a:avLst/>
+          </a:prstGeom>
+        </p:spPr>
+      </p:pic>
+      <p:sp>
+        <p:nvSpPr>
+          <p:cNvPr id="26" name="TextBox 25">
+            <a:extLst>
+              <a:ext uri="{FF2B5EF4-FFF2-40B4-BE49-F238E27FC236}">
+                <a16:creationId xmlns:a16="http://schemas.microsoft.com/office/drawing/2014/main" id="{5C21AB4E-FB42-40F6-BB54-9DC9BA4E1320}"/>
+              </a:ext>
+            </a:extLst>
+          </p:cNvPr>
+          <p:cNvSpPr txBox="1"/>
+          <p:nvPr/>
+        </p:nvSpPr>
+        <p:spPr>
+          <a:xfrm>
+            <a:off x="4494748" y="540005"/>
+            <a:ext cx="3057119" cy="646331"/>
+          </a:xfrm>
+          <a:prstGeom prst="rect">
+            <a:avLst/>
+          </a:prstGeom>
+          <a:noFill/>
+        </p:spPr>
+        <p:txBody>
+          <a:bodyPr wrap="none" rtlCol="0">
+            <a:spAutoFit/>
+          </a:bodyPr>
+          <a:lstStyle/>
+          <a:p>
+            <a:pPr algn="ctr"/>
+            <a:r>
+              <a:rPr lang="en-US" altLang="zh-CN" sz="3600" dirty="0">
                 <a:solidFill>
                   <a:srgbClr val="57868C"/>
                 </a:solidFill>
-              </a:endParaRPr>
-            </a:p>
-          </p:txBody>
-        </p:sp>
-      </p:grpSp>
-      <p:grpSp>
-        <p:nvGrpSpPr>
-          <p:cNvPr id="44" name="Group 43">
+              </a:rPr>
+              <a:t>Healthy control</a:t>
+            </a:r>
+            <a:endParaRPr lang="zh-CN" altLang="en-US" sz="3600" dirty="0">
+              <a:solidFill>
+                <a:srgbClr val="57868C"/>
+              </a:solidFill>
+            </a:endParaRPr>
+          </a:p>
+        </p:txBody>
+      </p:sp>
+      <p:pic>
+        <p:nvPicPr>
+          <p:cNvPr id="27" name="Picture 26">
             <a:extLst>
               <a:ext uri="{FF2B5EF4-FFF2-40B4-BE49-F238E27FC236}">
-                <a16:creationId xmlns:a16="http://schemas.microsoft.com/office/drawing/2014/main" id="{863D205D-10A8-4665-B55E-1D5FDF288C48}"/>
+                <a16:creationId xmlns:a16="http://schemas.microsoft.com/office/drawing/2014/main" id="{A6071795-E5DE-48B3-A7C4-60E8EC0BFAA5}"/>
               </a:ext>
             </a:extLst>
           </p:cNvPr>
-          <p:cNvGrpSpPr/>
+          <p:cNvPicPr>
+            <a:picLocks noChangeAspect="1"/>
+          </p:cNvPicPr>
           <p:nvPr/>
-        </p:nvGrpSpPr>
-        <p:grpSpPr>
+        </p:nvPicPr>
+        <p:blipFill>
+          <a:blip r:embed="rId4">
+            <a:extLst>
+              <a:ext uri="{28A0092B-C50C-407E-A947-70E740481C1C}">
+                <a14:useLocalDpi xmlns:a14="http://schemas.microsoft.com/office/drawing/2010/main" val="0"/>
+              </a:ext>
+            </a:extLst>
+          </a:blip>
+          <a:srcRect/>
+          <a:stretch/>
+        </p:blipFill>
+        <p:spPr>
           <a:xfrm>
-            <a:off x="20580313" y="512153"/>
-            <a:ext cx="11676190" cy="8172678"/>
-            <a:chOff x="24307660" y="1755887"/>
-            <a:chExt cx="11676190" cy="8172678"/>
+            <a:off x="11948904" y="1616502"/>
+            <a:ext cx="11109849" cy="7433934"/>
           </a:xfrm>
-        </p:grpSpPr>
-        <p:pic>
-          <p:nvPicPr>
-            <p:cNvPr id="45" name="Picture 44">
-              <a:extLst>
-                <a:ext uri="{FF2B5EF4-FFF2-40B4-BE49-F238E27FC236}">
-                  <a16:creationId xmlns:a16="http://schemas.microsoft.com/office/drawing/2014/main" id="{0C847C35-DF77-4621-AC15-0A3135D492D8}"/>
-                </a:ext>
-              </a:extLst>
-            </p:cNvPr>
-            <p:cNvPicPr>
-              <a:picLocks noChangeAspect="1"/>
-            </p:cNvPicPr>
-            <p:nvPr/>
-          </p:nvPicPr>
-          <p:blipFill>
-            <a:blip r:embed="rId4"/>
-            <a:stretch>
-              <a:fillRect/>
-            </a:stretch>
-          </p:blipFill>
-          <p:spPr>
-            <a:xfrm>
-              <a:off x="24307660" y="2671422"/>
-              <a:ext cx="11676190" cy="7257143"/>
-            </a:xfrm>
-            <a:prstGeom prst="rect">
-              <a:avLst/>
-            </a:prstGeom>
-          </p:spPr>
-        </p:pic>
-        <p:sp>
-          <p:nvSpPr>
-            <p:cNvPr id="46" name="TextBox 45">
-              <a:extLst>
-                <a:ext uri="{FF2B5EF4-FFF2-40B4-BE49-F238E27FC236}">
-                  <a16:creationId xmlns:a16="http://schemas.microsoft.com/office/drawing/2014/main" id="{73D02110-2953-44DF-B96C-D900AA8E7AED}"/>
-                </a:ext>
-              </a:extLst>
-            </p:cNvPr>
-            <p:cNvSpPr txBox="1"/>
-            <p:nvPr/>
-          </p:nvSpPr>
-          <p:spPr>
-            <a:xfrm>
-              <a:off x="28399251" y="1755887"/>
-              <a:ext cx="1915333" cy="584775"/>
-            </a:xfrm>
-            <a:prstGeom prst="rect">
-              <a:avLst/>
-            </a:prstGeom>
-            <a:noFill/>
-          </p:spPr>
-          <p:txBody>
-            <a:bodyPr wrap="none" rtlCol="0">
-              <a:spAutoFit/>
-            </a:bodyPr>
-            <a:lstStyle/>
-            <a:p>
-              <a:pPr algn="ctr"/>
-              <a:r>
-                <a:rPr lang="en-US" altLang="zh-CN" sz="3200" dirty="0">
-                  <a:solidFill>
-                    <a:srgbClr val="C00000"/>
-                  </a:solidFill>
-                </a:rPr>
-                <a:t>CRC group</a:t>
-              </a:r>
-              <a:endParaRPr lang="zh-CN" altLang="en-US" sz="3200" dirty="0">
+          <a:prstGeom prst="rect">
+            <a:avLst/>
+          </a:prstGeom>
+        </p:spPr>
+      </p:pic>
+      <p:sp>
+        <p:nvSpPr>
+          <p:cNvPr id="28" name="TextBox 27">
+            <a:extLst>
+              <a:ext uri="{FF2B5EF4-FFF2-40B4-BE49-F238E27FC236}">
+                <a16:creationId xmlns:a16="http://schemas.microsoft.com/office/drawing/2014/main" id="{7739EBF4-00D5-4FF3-8E06-96006FF02BF5}"/>
+              </a:ext>
+            </a:extLst>
+          </p:cNvPr>
+          <p:cNvSpPr txBox="1"/>
+          <p:nvPr/>
+        </p:nvSpPr>
+        <p:spPr>
+          <a:xfrm>
+            <a:off x="16979875" y="540005"/>
+            <a:ext cx="1999265" cy="646331"/>
+          </a:xfrm>
+          <a:prstGeom prst="rect">
+            <a:avLst/>
+          </a:prstGeom>
+          <a:noFill/>
+        </p:spPr>
+        <p:txBody>
+          <a:bodyPr wrap="none" rtlCol="0">
+            <a:spAutoFit/>
+          </a:bodyPr>
+          <a:lstStyle/>
+          <a:p>
+            <a:pPr algn="ctr"/>
+            <a:r>
+              <a:rPr lang="en-US" altLang="zh-CN" sz="3600" dirty="0">
+                <a:solidFill>
+                  <a:schemeClr val="accent5">
+                    <a:lumMod val="50000"/>
+                  </a:schemeClr>
+                </a:solidFill>
+              </a:rPr>
+              <a:t>Adenoma</a:t>
+            </a:r>
+            <a:endParaRPr lang="zh-CN" altLang="en-US" sz="3600" dirty="0">
+              <a:solidFill>
+                <a:schemeClr val="accent5">
+                  <a:lumMod val="50000"/>
+                </a:schemeClr>
+              </a:solidFill>
+            </a:endParaRPr>
+          </a:p>
+        </p:txBody>
+      </p:sp>
+      <p:pic>
+        <p:nvPicPr>
+          <p:cNvPr id="29" name="Picture 28">
+            <a:extLst>
+              <a:ext uri="{FF2B5EF4-FFF2-40B4-BE49-F238E27FC236}">
+                <a16:creationId xmlns:a16="http://schemas.microsoft.com/office/drawing/2014/main" id="{377302FF-7568-4A7E-9C5F-484FE60C43AD}"/>
+              </a:ext>
+            </a:extLst>
+          </p:cNvPr>
+          <p:cNvPicPr>
+            <a:picLocks noChangeAspect="1"/>
+          </p:cNvPicPr>
+          <p:nvPr/>
+        </p:nvPicPr>
+        <p:blipFill>
+          <a:blip r:embed="rId5">
+            <a:extLst>
+              <a:ext uri="{28A0092B-C50C-407E-A947-70E740481C1C}">
+                <a14:useLocalDpi xmlns:a14="http://schemas.microsoft.com/office/drawing/2010/main" val="0"/>
+              </a:ext>
+            </a:extLst>
+          </a:blip>
+          <a:srcRect/>
+          <a:stretch/>
+        </p:blipFill>
+        <p:spPr>
+          <a:xfrm>
+            <a:off x="23328920" y="1323683"/>
+            <a:ext cx="10314680" cy="7726753"/>
+          </a:xfrm>
+          <a:prstGeom prst="rect">
+            <a:avLst/>
+          </a:prstGeom>
+        </p:spPr>
+      </p:pic>
+      <p:sp>
+        <p:nvSpPr>
+          <p:cNvPr id="30" name="TextBox 29">
+            <a:extLst>
+              <a:ext uri="{FF2B5EF4-FFF2-40B4-BE49-F238E27FC236}">
+                <a16:creationId xmlns:a16="http://schemas.microsoft.com/office/drawing/2014/main" id="{7A6D93CB-A368-48EF-9E6B-ECB48720377E}"/>
+              </a:ext>
+            </a:extLst>
+          </p:cNvPr>
+          <p:cNvSpPr txBox="1"/>
+          <p:nvPr/>
+        </p:nvSpPr>
+        <p:spPr>
+          <a:xfrm>
+            <a:off x="27772702" y="540005"/>
+            <a:ext cx="2127250" cy="646331"/>
+          </a:xfrm>
+          <a:prstGeom prst="rect">
+            <a:avLst/>
+          </a:prstGeom>
+          <a:noFill/>
+        </p:spPr>
+        <p:txBody>
+          <a:bodyPr wrap="none" rtlCol="0">
+            <a:spAutoFit/>
+          </a:bodyPr>
+          <a:lstStyle/>
+          <a:p>
+            <a:pPr algn="ctr"/>
+            <a:r>
+              <a:rPr lang="en-US" altLang="zh-CN" sz="3600" dirty="0">
                 <a:solidFill>
                   <a:srgbClr val="C00000"/>
                 </a:solidFill>
-              </a:endParaRPr>
-            </a:p>
-          </p:txBody>
-        </p:sp>
-      </p:grpSp>
-      <p:sp>
-        <p:nvSpPr>
-          <p:cNvPr id="47" name="TextBox 46">
+              </a:rPr>
+              <a:t>CRC group</a:t>
+            </a:r>
+            <a:endParaRPr lang="zh-CN" altLang="en-US" sz="3600" dirty="0">
+              <a:solidFill>
+                <a:srgbClr val="C00000"/>
+              </a:solidFill>
+            </a:endParaRPr>
+          </a:p>
+        </p:txBody>
+      </p:sp>
+      <p:sp>
+        <p:nvSpPr>
+          <p:cNvPr id="31" name="TextBox 30">
             <a:extLst>
               <a:ext uri="{FF2B5EF4-FFF2-40B4-BE49-F238E27FC236}">
-                <a16:creationId xmlns:a16="http://schemas.microsoft.com/office/drawing/2014/main" id="{470A454C-8446-4FF5-BB94-F119CD9F3260}"/>
+                <a16:creationId xmlns:a16="http://schemas.microsoft.com/office/drawing/2014/main" id="{896A76DF-36B0-4236-AEE7-D0342D153FF7}"/>
               </a:ext>
             </a:extLst>
           </p:cNvPr>
@@ -3663,221 +3715,12 @@
           <a:p>
             <a:r>
               <a:rPr lang="en-US" sz="2800" b="1" dirty="0"/>
-              <a:t>S figure 5 </a:t>
+              <a:t>S figure 6 </a:t>
             </a:r>
             <a:endParaRPr lang="en-HK" sz="2800" b="1" dirty="0"/>
           </a:p>
         </p:txBody>
       </p:sp>
-      <p:grpSp>
-        <p:nvGrpSpPr>
-          <p:cNvPr id="48" name="Group 47">
-            <a:extLst>
-              <a:ext uri="{FF2B5EF4-FFF2-40B4-BE49-F238E27FC236}">
-                <a16:creationId xmlns:a16="http://schemas.microsoft.com/office/drawing/2014/main" id="{E1AEBDF7-A7C2-4D2F-9935-2B4CCFE4F92C}"/>
-              </a:ext>
-            </a:extLst>
-          </p:cNvPr>
-          <p:cNvGrpSpPr/>
-          <p:nvPr/>
-        </p:nvGrpSpPr>
-        <p:grpSpPr>
-          <a:xfrm>
-            <a:off x="11874518" y="431589"/>
-            <a:ext cx="10885714" cy="7955970"/>
-            <a:chOff x="11874518" y="431589"/>
-            <a:chExt cx="10885714" cy="7955970"/>
-          </a:xfrm>
-        </p:grpSpPr>
-        <p:grpSp>
-          <p:nvGrpSpPr>
-            <p:cNvPr id="49" name="Group 48">
-              <a:extLst>
-                <a:ext uri="{FF2B5EF4-FFF2-40B4-BE49-F238E27FC236}">
-                  <a16:creationId xmlns:a16="http://schemas.microsoft.com/office/drawing/2014/main" id="{C9D7CEAF-C698-442D-ADA7-69131E239CC5}"/>
-                </a:ext>
-              </a:extLst>
-            </p:cNvPr>
-            <p:cNvGrpSpPr/>
-            <p:nvPr/>
-          </p:nvGrpSpPr>
-          <p:grpSpPr>
-            <a:xfrm>
-              <a:off x="11874518" y="512153"/>
-              <a:ext cx="9159846" cy="7875406"/>
-              <a:chOff x="12817854" y="1755886"/>
-              <a:chExt cx="9159846" cy="7875406"/>
-            </a:xfrm>
-          </p:grpSpPr>
-          <p:pic>
-            <p:nvPicPr>
-              <p:cNvPr id="52" name="Picture 51">
-                <a:extLst>
-                  <a:ext uri="{FF2B5EF4-FFF2-40B4-BE49-F238E27FC236}">
-                    <a16:creationId xmlns:a16="http://schemas.microsoft.com/office/drawing/2014/main" id="{FD4104AF-1812-43B3-BB8C-A15A730BE029}"/>
-                  </a:ext>
-                </a:extLst>
-              </p:cNvPr>
-              <p:cNvPicPr>
-                <a:picLocks noChangeAspect="1"/>
-              </p:cNvPicPr>
-              <p:nvPr/>
-            </p:nvPicPr>
-            <p:blipFill rotWithShape="1">
-              <a:blip r:embed="rId5">
-                <a:extLst>
-                  <a:ext uri="{28A0092B-C50C-407E-A947-70E740481C1C}">
-                    <a14:useLocalDpi xmlns:a14="http://schemas.microsoft.com/office/drawing/2010/main" val="0"/>
-                  </a:ext>
-                </a:extLst>
-              </a:blip>
-              <a:srcRect r="15855"/>
-              <a:stretch/>
-            </p:blipFill>
-            <p:spPr>
-              <a:xfrm>
-                <a:off x="12817854" y="2197358"/>
-                <a:ext cx="9159846" cy="7433934"/>
-              </a:xfrm>
-              <a:prstGeom prst="rect">
-                <a:avLst/>
-              </a:prstGeom>
-            </p:spPr>
-          </p:pic>
-          <p:sp>
-            <p:nvSpPr>
-              <p:cNvPr id="53" name="TextBox 52">
-                <a:extLst>
-                  <a:ext uri="{FF2B5EF4-FFF2-40B4-BE49-F238E27FC236}">
-                    <a16:creationId xmlns:a16="http://schemas.microsoft.com/office/drawing/2014/main" id="{73E37808-EB33-4822-BB6F-5524BDAE615C}"/>
-                  </a:ext>
-                </a:extLst>
-              </p:cNvPr>
-              <p:cNvSpPr txBox="1"/>
-              <p:nvPr/>
-            </p:nvSpPr>
-            <p:spPr>
-              <a:xfrm>
-                <a:off x="16702496" y="1755886"/>
-                <a:ext cx="1800494" cy="584775"/>
-              </a:xfrm>
-              <a:prstGeom prst="rect">
-                <a:avLst/>
-              </a:prstGeom>
-              <a:noFill/>
-            </p:spPr>
-            <p:txBody>
-              <a:bodyPr wrap="none" rtlCol="0">
-                <a:spAutoFit/>
-              </a:bodyPr>
-              <a:lstStyle/>
-              <a:p>
-                <a:pPr algn="ctr"/>
-                <a:r>
-                  <a:rPr lang="en-US" altLang="zh-CN" sz="3200" dirty="0">
-                    <a:solidFill>
-                      <a:schemeClr val="accent5">
-                        <a:lumMod val="50000"/>
-                      </a:schemeClr>
-                    </a:solidFill>
-                  </a:rPr>
-                  <a:t>Adenoma</a:t>
-                </a:r>
-                <a:endParaRPr lang="zh-CN" altLang="en-US" sz="3200" dirty="0">
-                  <a:solidFill>
-                    <a:schemeClr val="accent5">
-                      <a:lumMod val="50000"/>
-                    </a:schemeClr>
-                  </a:solidFill>
-                </a:endParaRPr>
-              </a:p>
-            </p:txBody>
-          </p:sp>
-        </p:grpSp>
-        <p:pic>
-          <p:nvPicPr>
-            <p:cNvPr id="50" name="Picture 49">
-              <a:extLst>
-                <a:ext uri="{FF2B5EF4-FFF2-40B4-BE49-F238E27FC236}">
-                  <a16:creationId xmlns:a16="http://schemas.microsoft.com/office/drawing/2014/main" id="{EC6BF208-33D1-4A92-8B8A-C3FCDFA543C0}"/>
-                </a:ext>
-              </a:extLst>
-            </p:cNvPr>
-            <p:cNvPicPr>
-              <a:picLocks noChangeAspect="1"/>
-            </p:cNvPicPr>
-            <p:nvPr/>
-          </p:nvPicPr>
-          <p:blipFill rotWithShape="1">
-            <a:blip r:embed="rId6"/>
-            <a:srcRect l="90113"/>
-            <a:stretch/>
-          </p:blipFill>
-          <p:spPr>
-            <a:xfrm>
-              <a:off x="19957793" y="431589"/>
-              <a:ext cx="1076571" cy="7955970"/>
-            </a:xfrm>
-            <a:prstGeom prst="rect">
-              <a:avLst/>
-            </a:prstGeom>
-          </p:spPr>
-        </p:pic>
-        <p:sp>
-          <p:nvSpPr>
-            <p:cNvPr id="51" name="Rectangle 50">
-              <a:extLst>
-                <a:ext uri="{FF2B5EF4-FFF2-40B4-BE49-F238E27FC236}">
-                  <a16:creationId xmlns:a16="http://schemas.microsoft.com/office/drawing/2014/main" id="{A0AD8FD5-512E-435F-8234-E6778A1AE463}"/>
-                </a:ext>
-              </a:extLst>
-            </p:cNvPr>
-            <p:cNvSpPr/>
-            <p:nvPr/>
-          </p:nvSpPr>
-          <p:spPr>
-            <a:xfrm>
-              <a:off x="21785580" y="950304"/>
-              <a:ext cx="974652" cy="3370236"/>
-            </a:xfrm>
-            <a:prstGeom prst="rect">
-              <a:avLst/>
-            </a:prstGeom>
-            <a:solidFill>
-              <a:schemeClr val="bg1"/>
-            </a:solidFill>
-            <a:ln>
-              <a:solidFill>
-                <a:schemeClr val="bg1"/>
-              </a:solidFill>
-            </a:ln>
-          </p:spPr>
-          <p:style>
-            <a:lnRef idx="2">
-              <a:schemeClr val="accent1">
-                <a:shade val="50000"/>
-              </a:schemeClr>
-            </a:lnRef>
-            <a:fillRef idx="1">
-              <a:schemeClr val="accent1"/>
-            </a:fillRef>
-            <a:effectRef idx="0">
-              <a:schemeClr val="accent1"/>
-            </a:effectRef>
-            <a:fontRef idx="minor">
-              <a:schemeClr val="lt1"/>
-            </a:fontRef>
-          </p:style>
-          <p:txBody>
-            <a:bodyPr rtlCol="0" anchor="ctr"/>
-            <a:lstStyle/>
-            <a:p>
-              <a:pPr algn="ctr"/>
-              <a:endParaRPr lang="en-HK"/>
-            </a:p>
-          </p:txBody>
-        </p:sp>
-      </p:grpSp>
     </p:spTree>
     <p:extLst>
       <p:ext uri="{BB962C8B-B14F-4D97-AF65-F5344CB8AC3E}">

--- a/Yu Feng CRC-fungi-Re1 (JY)/S_fig5-Re1 (JY).pptx
+++ b/Yu Feng CRC-fungi-Re1 (JY)/S_fig5-Re1 (JY).pptx
@@ -2,7 +2,7 @@
 <file path=ppt/presentation.xml><?xml version="1.0" encoding="utf-8"?>
 <p:presentation xmlns:a="http://schemas.openxmlformats.org/drawingml/2006/main" xmlns:r="http://schemas.openxmlformats.org/officeDocument/2006/relationships" xmlns:p="http://schemas.openxmlformats.org/presentationml/2006/main" saveSubsetFonts="1">
   <p:sldMasterIdLst>
-    <p:sldMasterId id="2147483720" r:id="rId1"/>
+    <p:sldMasterId id="2147483660" r:id="rId1"/>
   </p:sldMasterIdLst>
   <p:notesMasterIdLst>
     <p:notesMasterId r:id="rId3"/>
@@ -10,7 +10,7 @@
   <p:sldIdLst>
     <p:sldId id="256" r:id="rId2"/>
   </p:sldIdLst>
-  <p:sldSz cx="34199513" cy="12599988"/>
+  <p:sldSz cx="10080625" cy="8999538"/>
   <p:notesSz cx="6858000" cy="9144000"/>
   <p:defaultTextStyle>
     <a:defPPr>
@@ -127,18 +127,13 @@
 </p:cmAuthorLst>
 </file>
 
-<file path=ppt/comments/comment1.xml><?xml version="1.0" encoding="utf-8"?>
-<p:cmLst xmlns:a="http://schemas.openxmlformats.org/drawingml/2006/main" xmlns:r="http://schemas.openxmlformats.org/officeDocument/2006/relationships" xmlns:p="http://schemas.openxmlformats.org/presentationml/2006/main">
-  <p:cm authorId="1" dt="2021-10-19T10:25:35.156" idx="1">
-    <p:pos x="1834" y="6042"/>
-    <p:text>add s fig legend</p:text>
-    <p:extLst>
-      <p:ext uri="{C676402C-5697-4E1C-873F-D02D1690AC5C}">
-        <p15:threadingInfo xmlns:p15="http://schemas.microsoft.com/office/powerpoint/2012/main" timeZoneBias="-480"/>
-      </p:ext>
-    </p:extLst>
-  </p:cm>
-</p:cmLst>
+<file path=ppt/revisionInfo.xml><?xml version="1.0" encoding="utf-8"?>
+<p1510:revInfo xmlns:a="http://schemas.openxmlformats.org/drawingml/2006/main" xmlns:r="http://schemas.openxmlformats.org/officeDocument/2006/relationships" xmlns:p1510="http://schemas.microsoft.com/office/powerpoint/2015/10/main">
+  <p1510:revLst>
+    <p1510:client id="{200715E5-6DCC-4DA3-AED2-3E1711663B46}" v="1" dt="2021-10-08T07:13:15.607"/>
+    <p1510:client id="{908C0A9C-5796-4260-81C3-F54639A777A1}" v="1" dt="2021-10-08T07:39:34.196"/>
+  </p1510:revLst>
+</p1510:revInfo>
 </file>
 
 <file path=ppt/notesMasters/notesMaster1.xml><?xml version="1.0" encoding="utf-8"?>
@@ -223,7 +218,7 @@
           <a:p>
             <a:fld id="{AA548A79-DF5C-42BC-A964-9ADB8699366B}" type="datetimeFigureOut">
               <a:rPr lang="zh-CN" altLang="en-US" smtClean="0"/>
-              <a:t>2021/10/19</a:t>
+              <a:t>2021/10/22</a:t>
             </a:fld>
             <a:endParaRPr lang="zh-CN" altLang="en-US"/>
           </a:p>
@@ -241,8 +236,8 @@
         </p:nvSpPr>
         <p:spPr>
           <a:xfrm>
-            <a:off x="-758825" y="1143000"/>
-            <a:ext cx="8375650" cy="3086100"/>
+            <a:off x="1700213" y="1143000"/>
+            <a:ext cx="3457575" cy="3086100"/>
           </a:xfrm>
           <a:prstGeom prst="rect">
             <a:avLst/>
@@ -397,8 +392,8 @@
   </p:cSld>
   <p:clrMap bg1="lt1" tx1="dk1" bg2="lt2" tx2="dk2" accent1="accent1" accent2="accent2" accent3="accent3" accent4="accent4" accent5="accent5" accent6="accent6" hlink="hlink" folHlink="folHlink"/>
   <p:notesStyle>
-    <a:lvl1pPr marL="0" algn="l" defTabSz="2246384" rtl="0" eaLnBrk="1" latinLnBrk="0" hangingPunct="1">
-      <a:defRPr sz="2948" kern="1200">
+    <a:lvl1pPr marL="0" algn="l" defTabSz="914400" rtl="0" eaLnBrk="1" latinLnBrk="0" hangingPunct="1">
+      <a:defRPr sz="1200" kern="1200">
         <a:solidFill>
           <a:schemeClr val="tx1"/>
         </a:solidFill>
@@ -407,8 +402,8 @@
         <a:cs typeface="+mn-cs"/>
       </a:defRPr>
     </a:lvl1pPr>
-    <a:lvl2pPr marL="1123192" algn="l" defTabSz="2246384" rtl="0" eaLnBrk="1" latinLnBrk="0" hangingPunct="1">
-      <a:defRPr sz="2948" kern="1200">
+    <a:lvl2pPr marL="457200" algn="l" defTabSz="914400" rtl="0" eaLnBrk="1" latinLnBrk="0" hangingPunct="1">
+      <a:defRPr sz="1200" kern="1200">
         <a:solidFill>
           <a:schemeClr val="tx1"/>
         </a:solidFill>
@@ -417,8 +412,8 @@
         <a:cs typeface="+mn-cs"/>
       </a:defRPr>
     </a:lvl2pPr>
-    <a:lvl3pPr marL="2246384" algn="l" defTabSz="2246384" rtl="0" eaLnBrk="1" latinLnBrk="0" hangingPunct="1">
-      <a:defRPr sz="2948" kern="1200">
+    <a:lvl3pPr marL="914400" algn="l" defTabSz="914400" rtl="0" eaLnBrk="1" latinLnBrk="0" hangingPunct="1">
+      <a:defRPr sz="1200" kern="1200">
         <a:solidFill>
           <a:schemeClr val="tx1"/>
         </a:solidFill>
@@ -427,8 +422,8 @@
         <a:cs typeface="+mn-cs"/>
       </a:defRPr>
     </a:lvl3pPr>
-    <a:lvl4pPr marL="3369576" algn="l" defTabSz="2246384" rtl="0" eaLnBrk="1" latinLnBrk="0" hangingPunct="1">
-      <a:defRPr sz="2948" kern="1200">
+    <a:lvl4pPr marL="1371600" algn="l" defTabSz="914400" rtl="0" eaLnBrk="1" latinLnBrk="0" hangingPunct="1">
+      <a:defRPr sz="1200" kern="1200">
         <a:solidFill>
           <a:schemeClr val="tx1"/>
         </a:solidFill>
@@ -437,8 +432,8 @@
         <a:cs typeface="+mn-cs"/>
       </a:defRPr>
     </a:lvl4pPr>
-    <a:lvl5pPr marL="4492768" algn="l" defTabSz="2246384" rtl="0" eaLnBrk="1" latinLnBrk="0" hangingPunct="1">
-      <a:defRPr sz="2948" kern="1200">
+    <a:lvl5pPr marL="1828800" algn="l" defTabSz="914400" rtl="0" eaLnBrk="1" latinLnBrk="0" hangingPunct="1">
+      <a:defRPr sz="1200" kern="1200">
         <a:solidFill>
           <a:schemeClr val="tx1"/>
         </a:solidFill>
@@ -447,8 +442,8 @@
         <a:cs typeface="+mn-cs"/>
       </a:defRPr>
     </a:lvl5pPr>
-    <a:lvl6pPr marL="5615959" algn="l" defTabSz="2246384" rtl="0" eaLnBrk="1" latinLnBrk="0" hangingPunct="1">
-      <a:defRPr sz="2948" kern="1200">
+    <a:lvl6pPr marL="2286000" algn="l" defTabSz="914400" rtl="0" eaLnBrk="1" latinLnBrk="0" hangingPunct="1">
+      <a:defRPr sz="1200" kern="1200">
         <a:solidFill>
           <a:schemeClr val="tx1"/>
         </a:solidFill>
@@ -457,8 +452,8 @@
         <a:cs typeface="+mn-cs"/>
       </a:defRPr>
     </a:lvl6pPr>
-    <a:lvl7pPr marL="6739151" algn="l" defTabSz="2246384" rtl="0" eaLnBrk="1" latinLnBrk="0" hangingPunct="1">
-      <a:defRPr sz="2948" kern="1200">
+    <a:lvl7pPr marL="2743200" algn="l" defTabSz="914400" rtl="0" eaLnBrk="1" latinLnBrk="0" hangingPunct="1">
+      <a:defRPr sz="1200" kern="1200">
         <a:solidFill>
           <a:schemeClr val="tx1"/>
         </a:solidFill>
@@ -467,8 +462,8 @@
         <a:cs typeface="+mn-cs"/>
       </a:defRPr>
     </a:lvl7pPr>
-    <a:lvl8pPr marL="7862343" algn="l" defTabSz="2246384" rtl="0" eaLnBrk="1" latinLnBrk="0" hangingPunct="1">
-      <a:defRPr sz="2948" kern="1200">
+    <a:lvl8pPr marL="3200400" algn="l" defTabSz="914400" rtl="0" eaLnBrk="1" latinLnBrk="0" hangingPunct="1">
+      <a:defRPr sz="1200" kern="1200">
         <a:solidFill>
           <a:schemeClr val="tx1"/>
         </a:solidFill>
@@ -477,8 +472,8 @@
         <a:cs typeface="+mn-cs"/>
       </a:defRPr>
     </a:lvl8pPr>
-    <a:lvl9pPr marL="8985535" algn="l" defTabSz="2246384" rtl="0" eaLnBrk="1" latinLnBrk="0" hangingPunct="1">
-      <a:defRPr sz="2948" kern="1200">
+    <a:lvl9pPr marL="3657600" algn="l" defTabSz="914400" rtl="0" eaLnBrk="1" latinLnBrk="0" hangingPunct="1">
+      <a:defRPr sz="1200" kern="1200">
         <a:solidFill>
           <a:schemeClr val="tx1"/>
         </a:solidFill>
@@ -520,8 +515,8 @@
         </p:nvSpPr>
         <p:spPr>
           <a:xfrm>
-            <a:off x="-758825" y="1143000"/>
-            <a:ext cx="8375650" cy="3086100"/>
+            <a:off x="1700213" y="1143000"/>
+            <a:ext cx="3457575" cy="3086100"/>
           </a:xfrm>
         </p:spPr>
       </p:sp>
@@ -609,15 +604,15 @@
         </p:nvSpPr>
         <p:spPr>
           <a:xfrm>
-            <a:off x="4274939" y="2062083"/>
-            <a:ext cx="25649635" cy="4386662"/>
+            <a:off x="756047" y="1472842"/>
+            <a:ext cx="8568531" cy="3133172"/>
           </a:xfrm>
         </p:spPr>
         <p:txBody>
           <a:bodyPr anchor="b"/>
           <a:lstStyle>
             <a:lvl1pPr algn="ctr">
-              <a:defRPr sz="11024"/>
+              <a:defRPr sz="6614"/>
             </a:lvl1pPr>
           </a:lstStyle>
           <a:p>
@@ -641,8 +636,8 @@
         </p:nvSpPr>
         <p:spPr>
           <a:xfrm>
-            <a:off x="4274939" y="6617911"/>
-            <a:ext cx="25649635" cy="3042080"/>
+            <a:off x="1260078" y="4726842"/>
+            <a:ext cx="7560469" cy="2172804"/>
           </a:xfrm>
         </p:spPr>
         <p:txBody>
@@ -650,39 +645,39 @@
           <a:lstStyle>
             <a:lvl1pPr marL="0" indent="0" algn="ctr">
               <a:buNone/>
-              <a:defRPr sz="4410"/>
+              <a:defRPr sz="2646"/>
             </a:lvl1pPr>
-            <a:lvl2pPr marL="840014" indent="0" algn="ctr">
-              <a:buNone/>
-              <a:defRPr sz="3675"/>
+            <a:lvl2pPr marL="504017" indent="0" algn="ctr">
+              <a:buNone/>
+              <a:defRPr sz="2205"/>
             </a:lvl2pPr>
-            <a:lvl3pPr marL="1680027" indent="0" algn="ctr">
-              <a:buNone/>
-              <a:defRPr sz="3307"/>
+            <a:lvl3pPr marL="1008035" indent="0" algn="ctr">
+              <a:buNone/>
+              <a:defRPr sz="1984"/>
             </a:lvl3pPr>
-            <a:lvl4pPr marL="2520041" indent="0" algn="ctr">
-              <a:buNone/>
-              <a:defRPr sz="2940"/>
+            <a:lvl4pPr marL="1512052" indent="0" algn="ctr">
+              <a:buNone/>
+              <a:defRPr sz="1764"/>
             </a:lvl4pPr>
-            <a:lvl5pPr marL="3360054" indent="0" algn="ctr">
-              <a:buNone/>
-              <a:defRPr sz="2940"/>
+            <a:lvl5pPr marL="2016069" indent="0" algn="ctr">
+              <a:buNone/>
+              <a:defRPr sz="1764"/>
             </a:lvl5pPr>
-            <a:lvl6pPr marL="4200068" indent="0" algn="ctr">
-              <a:buNone/>
-              <a:defRPr sz="2940"/>
+            <a:lvl6pPr marL="2520086" indent="0" algn="ctr">
+              <a:buNone/>
+              <a:defRPr sz="1764"/>
             </a:lvl6pPr>
-            <a:lvl7pPr marL="5040081" indent="0" algn="ctr">
-              <a:buNone/>
-              <a:defRPr sz="2940"/>
+            <a:lvl7pPr marL="3024104" indent="0" algn="ctr">
+              <a:buNone/>
+              <a:defRPr sz="1764"/>
             </a:lvl7pPr>
-            <a:lvl8pPr marL="5880095" indent="0" algn="ctr">
-              <a:buNone/>
-              <a:defRPr sz="2940"/>
+            <a:lvl8pPr marL="3528121" indent="0" algn="ctr">
+              <a:buNone/>
+              <a:defRPr sz="1764"/>
             </a:lvl8pPr>
-            <a:lvl9pPr marL="6720108" indent="0" algn="ctr">
-              <a:buNone/>
-              <a:defRPr sz="2940"/>
+            <a:lvl9pPr marL="4032138" indent="0" algn="ctr">
+              <a:buNone/>
+              <a:defRPr sz="1764"/>
             </a:lvl9pPr>
           </a:lstStyle>
           <a:p>
@@ -711,7 +706,7 @@
           <a:p>
             <a:fld id="{C21F6666-3EDE-4E8B-BC82-F371B9B084D1}" type="datetimeFigureOut">
               <a:rPr lang="zh-CN" altLang="en-US" smtClean="0"/>
-              <a:t>2021/10/19</a:t>
+              <a:t>2021/10/22</a:t>
             </a:fld>
             <a:endParaRPr lang="zh-CN" altLang="en-US"/>
           </a:p>
@@ -762,7 +757,7 @@
     </p:spTree>
     <p:extLst>
       <p:ext uri="{BB962C8B-B14F-4D97-AF65-F5344CB8AC3E}">
-        <p14:creationId xmlns:p14="http://schemas.microsoft.com/office/powerpoint/2010/main" val="1884176839"/>
+        <p14:creationId xmlns:p14="http://schemas.microsoft.com/office/powerpoint/2010/main" val="520850997"/>
       </p:ext>
     </p:extLst>
   </p:cSld>
@@ -881,7 +876,7 @@
           <a:p>
             <a:fld id="{C21F6666-3EDE-4E8B-BC82-F371B9B084D1}" type="datetimeFigureOut">
               <a:rPr lang="zh-CN" altLang="en-US" smtClean="0"/>
-              <a:t>2021/10/19</a:t>
+              <a:t>2021/10/22</a:t>
             </a:fld>
             <a:endParaRPr lang="zh-CN" altLang="en-US"/>
           </a:p>
@@ -932,7 +927,7 @@
     </p:spTree>
     <p:extLst>
       <p:ext uri="{BB962C8B-B14F-4D97-AF65-F5344CB8AC3E}">
-        <p14:creationId xmlns:p14="http://schemas.microsoft.com/office/powerpoint/2010/main" val="2880929900"/>
+        <p14:creationId xmlns:p14="http://schemas.microsoft.com/office/powerpoint/2010/main" val="1322799270"/>
       </p:ext>
     </p:extLst>
   </p:cSld>
@@ -971,8 +966,8 @@
         </p:nvSpPr>
         <p:spPr>
           <a:xfrm>
-            <a:off x="24474026" y="670833"/>
-            <a:ext cx="7374270" cy="10677907"/>
+            <a:off x="7213948" y="479142"/>
+            <a:ext cx="2173635" cy="7626692"/>
           </a:xfrm>
         </p:spPr>
         <p:txBody>
@@ -999,8 +994,8 @@
         </p:nvSpPr>
         <p:spPr>
           <a:xfrm>
-            <a:off x="2351217" y="670833"/>
-            <a:ext cx="21695316" cy="10677907"/>
+            <a:off x="693044" y="479142"/>
+            <a:ext cx="6394896" cy="7626692"/>
           </a:xfrm>
         </p:spPr>
         <p:txBody>
@@ -1061,7 +1056,7 @@
           <a:p>
             <a:fld id="{C21F6666-3EDE-4E8B-BC82-F371B9B084D1}" type="datetimeFigureOut">
               <a:rPr lang="zh-CN" altLang="en-US" smtClean="0"/>
-              <a:t>2021/10/19</a:t>
+              <a:t>2021/10/22</a:t>
             </a:fld>
             <a:endParaRPr lang="zh-CN" altLang="en-US"/>
           </a:p>
@@ -1112,7 +1107,7 @@
     </p:spTree>
     <p:extLst>
       <p:ext uri="{BB962C8B-B14F-4D97-AF65-F5344CB8AC3E}">
-        <p14:creationId xmlns:p14="http://schemas.microsoft.com/office/powerpoint/2010/main" val="3592755566"/>
+        <p14:creationId xmlns:p14="http://schemas.microsoft.com/office/powerpoint/2010/main" val="2577204359"/>
       </p:ext>
     </p:extLst>
   </p:cSld>
@@ -1231,7 +1226,7 @@
           <a:p>
             <a:fld id="{C21F6666-3EDE-4E8B-BC82-F371B9B084D1}" type="datetimeFigureOut">
               <a:rPr lang="zh-CN" altLang="en-US" smtClean="0"/>
-              <a:t>2021/10/19</a:t>
+              <a:t>2021/10/22</a:t>
             </a:fld>
             <a:endParaRPr lang="zh-CN" altLang="en-US"/>
           </a:p>
@@ -1282,7 +1277,7 @@
     </p:spTree>
     <p:extLst>
       <p:ext uri="{BB962C8B-B14F-4D97-AF65-F5344CB8AC3E}">
-        <p14:creationId xmlns:p14="http://schemas.microsoft.com/office/powerpoint/2010/main" val="1007779436"/>
+        <p14:creationId xmlns:p14="http://schemas.microsoft.com/office/powerpoint/2010/main" val="2724700938"/>
       </p:ext>
     </p:extLst>
   </p:cSld>
@@ -1321,15 +1316,15 @@
         </p:nvSpPr>
         <p:spPr>
           <a:xfrm>
-            <a:off x="2333404" y="3141249"/>
-            <a:ext cx="29497080" cy="5241244"/>
+            <a:off x="687793" y="2243638"/>
+            <a:ext cx="8694539" cy="3743557"/>
           </a:xfrm>
         </p:spPr>
         <p:txBody>
           <a:bodyPr anchor="b"/>
           <a:lstStyle>
             <a:lvl1pPr>
-              <a:defRPr sz="11024"/>
+              <a:defRPr sz="6614"/>
             </a:lvl1pPr>
           </a:lstStyle>
           <a:p>
@@ -1353,8 +1348,8 @@
         </p:nvSpPr>
         <p:spPr>
           <a:xfrm>
-            <a:off x="2333404" y="8432077"/>
-            <a:ext cx="29497080" cy="2756246"/>
+            <a:off x="687793" y="6022610"/>
+            <a:ext cx="8694539" cy="1968648"/>
           </a:xfrm>
         </p:spPr>
         <p:txBody>
@@ -1362,17 +1357,15 @@
           <a:lstStyle>
             <a:lvl1pPr marL="0" indent="0">
               <a:buNone/>
-              <a:defRPr sz="4410">
+              <a:defRPr sz="2646">
                 <a:solidFill>
-                  <a:schemeClr val="tx1">
-                    <a:tint val="75000"/>
-                  </a:schemeClr>
+                  <a:schemeClr val="tx1"/>
                 </a:solidFill>
               </a:defRPr>
             </a:lvl1pPr>
-            <a:lvl2pPr marL="840014" indent="0">
-              <a:buNone/>
-              <a:defRPr sz="3675">
+            <a:lvl2pPr marL="504017" indent="0">
+              <a:buNone/>
+              <a:defRPr sz="2205">
                 <a:solidFill>
                   <a:schemeClr val="tx1">
                     <a:tint val="75000"/>
@@ -1380,9 +1373,9 @@
                 </a:solidFill>
               </a:defRPr>
             </a:lvl2pPr>
-            <a:lvl3pPr marL="1680027" indent="0">
-              <a:buNone/>
-              <a:defRPr sz="3307">
+            <a:lvl3pPr marL="1008035" indent="0">
+              <a:buNone/>
+              <a:defRPr sz="1984">
                 <a:solidFill>
                   <a:schemeClr val="tx1">
                     <a:tint val="75000"/>
@@ -1390,9 +1383,9 @@
                 </a:solidFill>
               </a:defRPr>
             </a:lvl3pPr>
-            <a:lvl4pPr marL="2520041" indent="0">
-              <a:buNone/>
-              <a:defRPr sz="2940">
+            <a:lvl4pPr marL="1512052" indent="0">
+              <a:buNone/>
+              <a:defRPr sz="1764">
                 <a:solidFill>
                   <a:schemeClr val="tx1">
                     <a:tint val="75000"/>
@@ -1400,9 +1393,9 @@
                 </a:solidFill>
               </a:defRPr>
             </a:lvl4pPr>
-            <a:lvl5pPr marL="3360054" indent="0">
-              <a:buNone/>
-              <a:defRPr sz="2940">
+            <a:lvl5pPr marL="2016069" indent="0">
+              <a:buNone/>
+              <a:defRPr sz="1764">
                 <a:solidFill>
                   <a:schemeClr val="tx1">
                     <a:tint val="75000"/>
@@ -1410,9 +1403,9 @@
                 </a:solidFill>
               </a:defRPr>
             </a:lvl5pPr>
-            <a:lvl6pPr marL="4200068" indent="0">
-              <a:buNone/>
-              <a:defRPr sz="2940">
+            <a:lvl6pPr marL="2520086" indent="0">
+              <a:buNone/>
+              <a:defRPr sz="1764">
                 <a:solidFill>
                   <a:schemeClr val="tx1">
                     <a:tint val="75000"/>
@@ -1420,9 +1413,9 @@
                 </a:solidFill>
               </a:defRPr>
             </a:lvl6pPr>
-            <a:lvl7pPr marL="5040081" indent="0">
-              <a:buNone/>
-              <a:defRPr sz="2940">
+            <a:lvl7pPr marL="3024104" indent="0">
+              <a:buNone/>
+              <a:defRPr sz="1764">
                 <a:solidFill>
                   <a:schemeClr val="tx1">
                     <a:tint val="75000"/>
@@ -1430,9 +1423,9 @@
                 </a:solidFill>
               </a:defRPr>
             </a:lvl7pPr>
-            <a:lvl8pPr marL="5880095" indent="0">
-              <a:buNone/>
-              <a:defRPr sz="2940">
+            <a:lvl8pPr marL="3528121" indent="0">
+              <a:buNone/>
+              <a:defRPr sz="1764">
                 <a:solidFill>
                   <a:schemeClr val="tx1">
                     <a:tint val="75000"/>
@@ -1440,9 +1433,9 @@
                 </a:solidFill>
               </a:defRPr>
             </a:lvl8pPr>
-            <a:lvl9pPr marL="6720108" indent="0">
-              <a:buNone/>
-              <a:defRPr sz="2940">
+            <a:lvl9pPr marL="4032138" indent="0">
+              <a:buNone/>
+              <a:defRPr sz="1764">
                 <a:solidFill>
                   <a:schemeClr val="tx1">
                     <a:tint val="75000"/>
@@ -1477,7 +1470,7 @@
           <a:p>
             <a:fld id="{C21F6666-3EDE-4E8B-BC82-F371B9B084D1}" type="datetimeFigureOut">
               <a:rPr lang="zh-CN" altLang="en-US" smtClean="0"/>
-              <a:t>2021/10/19</a:t>
+              <a:t>2021/10/22</a:t>
             </a:fld>
             <a:endParaRPr lang="zh-CN" altLang="en-US"/>
           </a:p>
@@ -1528,7 +1521,7 @@
     </p:spTree>
     <p:extLst>
       <p:ext uri="{BB962C8B-B14F-4D97-AF65-F5344CB8AC3E}">
-        <p14:creationId xmlns:p14="http://schemas.microsoft.com/office/powerpoint/2010/main" val="203179585"/>
+        <p14:creationId xmlns:p14="http://schemas.microsoft.com/office/powerpoint/2010/main" val="1701225992"/>
       </p:ext>
     </p:extLst>
   </p:cSld>
@@ -1590,8 +1583,8 @@
         </p:nvSpPr>
         <p:spPr>
           <a:xfrm>
-            <a:off x="2351217" y="3354163"/>
-            <a:ext cx="14534793" cy="7994577"/>
+            <a:off x="693043" y="2395710"/>
+            <a:ext cx="4284266" cy="5710124"/>
           </a:xfrm>
         </p:spPr>
         <p:txBody>
@@ -1647,8 +1640,8 @@
         </p:nvSpPr>
         <p:spPr>
           <a:xfrm>
-            <a:off x="17313503" y="3354163"/>
-            <a:ext cx="14534793" cy="7994577"/>
+            <a:off x="5103316" y="2395710"/>
+            <a:ext cx="4284266" cy="5710124"/>
           </a:xfrm>
         </p:spPr>
         <p:txBody>
@@ -1709,7 +1702,7 @@
           <a:p>
             <a:fld id="{C21F6666-3EDE-4E8B-BC82-F371B9B084D1}" type="datetimeFigureOut">
               <a:rPr lang="zh-CN" altLang="en-US" smtClean="0"/>
-              <a:t>2021/10/19</a:t>
+              <a:t>2021/10/22</a:t>
             </a:fld>
             <a:endParaRPr lang="zh-CN" altLang="en-US"/>
           </a:p>
@@ -1760,7 +1753,7 @@
     </p:spTree>
     <p:extLst>
       <p:ext uri="{BB962C8B-B14F-4D97-AF65-F5344CB8AC3E}">
-        <p14:creationId xmlns:p14="http://schemas.microsoft.com/office/powerpoint/2010/main" val="4262090050"/>
+        <p14:creationId xmlns:p14="http://schemas.microsoft.com/office/powerpoint/2010/main" val="3523083077"/>
       </p:ext>
     </p:extLst>
   </p:cSld>
@@ -1799,8 +1792,8 @@
         </p:nvSpPr>
         <p:spPr>
           <a:xfrm>
-            <a:off x="2355671" y="670834"/>
-            <a:ext cx="29497080" cy="2435415"/>
+            <a:off x="694356" y="479144"/>
+            <a:ext cx="8694539" cy="1739495"/>
           </a:xfrm>
         </p:spPr>
         <p:txBody>
@@ -1827,8 +1820,8 @@
         </p:nvSpPr>
         <p:spPr>
           <a:xfrm>
-            <a:off x="2355672" y="3088748"/>
-            <a:ext cx="14467996" cy="1513748"/>
+            <a:off x="694357" y="2206137"/>
+            <a:ext cx="4264576" cy="1081194"/>
           </a:xfrm>
         </p:spPr>
         <p:txBody>
@@ -1836,39 +1829,39 @@
           <a:lstStyle>
             <a:lvl1pPr marL="0" indent="0">
               <a:buNone/>
-              <a:defRPr sz="4410" b="1"/>
+              <a:defRPr sz="2646" b="1"/>
             </a:lvl1pPr>
-            <a:lvl2pPr marL="840014" indent="0">
-              <a:buNone/>
-              <a:defRPr sz="3675" b="1"/>
+            <a:lvl2pPr marL="504017" indent="0">
+              <a:buNone/>
+              <a:defRPr sz="2205" b="1"/>
             </a:lvl2pPr>
-            <a:lvl3pPr marL="1680027" indent="0">
-              <a:buNone/>
-              <a:defRPr sz="3307" b="1"/>
+            <a:lvl3pPr marL="1008035" indent="0">
+              <a:buNone/>
+              <a:defRPr sz="1984" b="1"/>
             </a:lvl3pPr>
-            <a:lvl4pPr marL="2520041" indent="0">
-              <a:buNone/>
-              <a:defRPr sz="2940" b="1"/>
+            <a:lvl4pPr marL="1512052" indent="0">
+              <a:buNone/>
+              <a:defRPr sz="1764" b="1"/>
             </a:lvl4pPr>
-            <a:lvl5pPr marL="3360054" indent="0">
-              <a:buNone/>
-              <a:defRPr sz="2940" b="1"/>
+            <a:lvl5pPr marL="2016069" indent="0">
+              <a:buNone/>
+              <a:defRPr sz="1764" b="1"/>
             </a:lvl5pPr>
-            <a:lvl6pPr marL="4200068" indent="0">
-              <a:buNone/>
-              <a:defRPr sz="2940" b="1"/>
+            <a:lvl6pPr marL="2520086" indent="0">
+              <a:buNone/>
+              <a:defRPr sz="1764" b="1"/>
             </a:lvl6pPr>
-            <a:lvl7pPr marL="5040081" indent="0">
-              <a:buNone/>
-              <a:defRPr sz="2940" b="1"/>
+            <a:lvl7pPr marL="3024104" indent="0">
+              <a:buNone/>
+              <a:defRPr sz="1764" b="1"/>
             </a:lvl7pPr>
-            <a:lvl8pPr marL="5880095" indent="0">
-              <a:buNone/>
-              <a:defRPr sz="2940" b="1"/>
+            <a:lvl8pPr marL="3528121" indent="0">
+              <a:buNone/>
+              <a:defRPr sz="1764" b="1"/>
             </a:lvl8pPr>
-            <a:lvl9pPr marL="6720108" indent="0">
-              <a:buNone/>
-              <a:defRPr sz="2940" b="1"/>
+            <a:lvl9pPr marL="4032138" indent="0">
+              <a:buNone/>
+              <a:defRPr sz="1764" b="1"/>
             </a:lvl9pPr>
           </a:lstStyle>
           <a:p>
@@ -1892,8 +1885,8 @@
         </p:nvSpPr>
         <p:spPr>
           <a:xfrm>
-            <a:off x="2355672" y="4602496"/>
-            <a:ext cx="14467996" cy="6769578"/>
+            <a:off x="694357" y="3287331"/>
+            <a:ext cx="4264576" cy="4835169"/>
           </a:xfrm>
         </p:spPr>
         <p:txBody>
@@ -1949,8 +1942,8 @@
         </p:nvSpPr>
         <p:spPr>
           <a:xfrm>
-            <a:off x="17313504" y="3088748"/>
-            <a:ext cx="14539247" cy="1513748"/>
+            <a:off x="5103317" y="2206137"/>
+            <a:ext cx="4285579" cy="1081194"/>
           </a:xfrm>
         </p:spPr>
         <p:txBody>
@@ -1958,39 +1951,39 @@
           <a:lstStyle>
             <a:lvl1pPr marL="0" indent="0">
               <a:buNone/>
-              <a:defRPr sz="4410" b="1"/>
+              <a:defRPr sz="2646" b="1"/>
             </a:lvl1pPr>
-            <a:lvl2pPr marL="840014" indent="0">
-              <a:buNone/>
-              <a:defRPr sz="3675" b="1"/>
+            <a:lvl2pPr marL="504017" indent="0">
+              <a:buNone/>
+              <a:defRPr sz="2205" b="1"/>
             </a:lvl2pPr>
-            <a:lvl3pPr marL="1680027" indent="0">
-              <a:buNone/>
-              <a:defRPr sz="3307" b="1"/>
+            <a:lvl3pPr marL="1008035" indent="0">
+              <a:buNone/>
+              <a:defRPr sz="1984" b="1"/>
             </a:lvl3pPr>
-            <a:lvl4pPr marL="2520041" indent="0">
-              <a:buNone/>
-              <a:defRPr sz="2940" b="1"/>
+            <a:lvl4pPr marL="1512052" indent="0">
+              <a:buNone/>
+              <a:defRPr sz="1764" b="1"/>
             </a:lvl4pPr>
-            <a:lvl5pPr marL="3360054" indent="0">
-              <a:buNone/>
-              <a:defRPr sz="2940" b="1"/>
+            <a:lvl5pPr marL="2016069" indent="0">
+              <a:buNone/>
+              <a:defRPr sz="1764" b="1"/>
             </a:lvl5pPr>
-            <a:lvl6pPr marL="4200068" indent="0">
-              <a:buNone/>
-              <a:defRPr sz="2940" b="1"/>
+            <a:lvl6pPr marL="2520086" indent="0">
+              <a:buNone/>
+              <a:defRPr sz="1764" b="1"/>
             </a:lvl6pPr>
-            <a:lvl7pPr marL="5040081" indent="0">
-              <a:buNone/>
-              <a:defRPr sz="2940" b="1"/>
+            <a:lvl7pPr marL="3024104" indent="0">
+              <a:buNone/>
+              <a:defRPr sz="1764" b="1"/>
             </a:lvl7pPr>
-            <a:lvl8pPr marL="5880095" indent="0">
-              <a:buNone/>
-              <a:defRPr sz="2940" b="1"/>
+            <a:lvl8pPr marL="3528121" indent="0">
+              <a:buNone/>
+              <a:defRPr sz="1764" b="1"/>
             </a:lvl8pPr>
-            <a:lvl9pPr marL="6720108" indent="0">
-              <a:buNone/>
-              <a:defRPr sz="2940" b="1"/>
+            <a:lvl9pPr marL="4032138" indent="0">
+              <a:buNone/>
+              <a:defRPr sz="1764" b="1"/>
             </a:lvl9pPr>
           </a:lstStyle>
           <a:p>
@@ -2014,8 +2007,8 @@
         </p:nvSpPr>
         <p:spPr>
           <a:xfrm>
-            <a:off x="17313504" y="4602496"/>
-            <a:ext cx="14539247" cy="6769578"/>
+            <a:off x="5103317" y="3287331"/>
+            <a:ext cx="4285579" cy="4835169"/>
           </a:xfrm>
         </p:spPr>
         <p:txBody>
@@ -2076,7 +2069,7 @@
           <a:p>
             <a:fld id="{C21F6666-3EDE-4E8B-BC82-F371B9B084D1}" type="datetimeFigureOut">
               <a:rPr lang="zh-CN" altLang="en-US" smtClean="0"/>
-              <a:t>2021/10/19</a:t>
+              <a:t>2021/10/22</a:t>
             </a:fld>
             <a:endParaRPr lang="zh-CN" altLang="en-US"/>
           </a:p>
@@ -2127,7 +2120,7 @@
     </p:spTree>
     <p:extLst>
       <p:ext uri="{BB962C8B-B14F-4D97-AF65-F5344CB8AC3E}">
-        <p14:creationId xmlns:p14="http://schemas.microsoft.com/office/powerpoint/2010/main" val="3117788303"/>
+        <p14:creationId xmlns:p14="http://schemas.microsoft.com/office/powerpoint/2010/main" val="475132970"/>
       </p:ext>
     </p:extLst>
   </p:cSld>
@@ -2194,7 +2187,7 @@
           <a:p>
             <a:fld id="{C21F6666-3EDE-4E8B-BC82-F371B9B084D1}" type="datetimeFigureOut">
               <a:rPr lang="zh-CN" altLang="en-US" smtClean="0"/>
-              <a:t>2021/10/19</a:t>
+              <a:t>2021/10/22</a:t>
             </a:fld>
             <a:endParaRPr lang="zh-CN" altLang="en-US"/>
           </a:p>
@@ -2245,7 +2238,7 @@
     </p:spTree>
     <p:extLst>
       <p:ext uri="{BB962C8B-B14F-4D97-AF65-F5344CB8AC3E}">
-        <p14:creationId xmlns:p14="http://schemas.microsoft.com/office/powerpoint/2010/main" val="3519416391"/>
+        <p14:creationId xmlns:p14="http://schemas.microsoft.com/office/powerpoint/2010/main" val="2473349397"/>
       </p:ext>
     </p:extLst>
   </p:cSld>
@@ -2289,7 +2282,7 @@
           <a:p>
             <a:fld id="{C21F6666-3EDE-4E8B-BC82-F371B9B084D1}" type="datetimeFigureOut">
               <a:rPr lang="zh-CN" altLang="en-US" smtClean="0"/>
-              <a:t>2021/10/19</a:t>
+              <a:t>2021/10/22</a:t>
             </a:fld>
             <a:endParaRPr lang="zh-CN" altLang="en-US"/>
           </a:p>
@@ -2340,7 +2333,7 @@
     </p:spTree>
     <p:extLst>
       <p:ext uri="{BB962C8B-B14F-4D97-AF65-F5344CB8AC3E}">
-        <p14:creationId xmlns:p14="http://schemas.microsoft.com/office/powerpoint/2010/main" val="1491178350"/>
+        <p14:creationId xmlns:p14="http://schemas.microsoft.com/office/powerpoint/2010/main" val="2379572214"/>
       </p:ext>
     </p:extLst>
   </p:cSld>
@@ -2379,15 +2372,15 @@
         </p:nvSpPr>
         <p:spPr>
           <a:xfrm>
-            <a:off x="2355672" y="839999"/>
-            <a:ext cx="11030232" cy="2939997"/>
+            <a:off x="694356" y="599969"/>
+            <a:ext cx="3251264" cy="2099892"/>
           </a:xfrm>
         </p:spPr>
         <p:txBody>
           <a:bodyPr anchor="b"/>
           <a:lstStyle>
             <a:lvl1pPr>
-              <a:defRPr sz="5879"/>
+              <a:defRPr sz="3528"/>
             </a:lvl1pPr>
           </a:lstStyle>
           <a:p>
@@ -2411,39 +2404,39 @@
         </p:nvSpPr>
         <p:spPr>
           <a:xfrm>
-            <a:off x="14539248" y="1814166"/>
-            <a:ext cx="17313503" cy="8954158"/>
+            <a:off x="4285579" y="1295769"/>
+            <a:ext cx="5103316" cy="6395505"/>
           </a:xfrm>
         </p:spPr>
         <p:txBody>
           <a:bodyPr/>
           <a:lstStyle>
             <a:lvl1pPr>
-              <a:defRPr sz="5879"/>
+              <a:defRPr sz="3528"/>
             </a:lvl1pPr>
             <a:lvl2pPr>
-              <a:defRPr sz="5144"/>
+              <a:defRPr sz="3087"/>
             </a:lvl2pPr>
             <a:lvl3pPr>
-              <a:defRPr sz="4410"/>
+              <a:defRPr sz="2646"/>
             </a:lvl3pPr>
             <a:lvl4pPr>
-              <a:defRPr sz="3675"/>
+              <a:defRPr sz="2205"/>
             </a:lvl4pPr>
             <a:lvl5pPr>
-              <a:defRPr sz="3675"/>
+              <a:defRPr sz="2205"/>
             </a:lvl5pPr>
             <a:lvl6pPr>
-              <a:defRPr sz="3675"/>
+              <a:defRPr sz="2205"/>
             </a:lvl6pPr>
             <a:lvl7pPr>
-              <a:defRPr sz="3675"/>
+              <a:defRPr sz="2205"/>
             </a:lvl7pPr>
             <a:lvl8pPr>
-              <a:defRPr sz="3675"/>
+              <a:defRPr sz="2205"/>
             </a:lvl8pPr>
             <a:lvl9pPr>
-              <a:defRPr sz="3675"/>
+              <a:defRPr sz="2205"/>
             </a:lvl9pPr>
           </a:lstStyle>
           <a:p>
@@ -2496,8 +2489,8 @@
         </p:nvSpPr>
         <p:spPr>
           <a:xfrm>
-            <a:off x="2355672" y="3779996"/>
-            <a:ext cx="11030232" cy="7002911"/>
+            <a:off x="694356" y="2699862"/>
+            <a:ext cx="3251264" cy="5001827"/>
           </a:xfrm>
         </p:spPr>
         <p:txBody>
@@ -2505,39 +2498,39 @@
           <a:lstStyle>
             <a:lvl1pPr marL="0" indent="0">
               <a:buNone/>
-              <a:defRPr sz="2940"/>
+              <a:defRPr sz="1764"/>
             </a:lvl1pPr>
-            <a:lvl2pPr marL="840014" indent="0">
-              <a:buNone/>
-              <a:defRPr sz="2572"/>
+            <a:lvl2pPr marL="504017" indent="0">
+              <a:buNone/>
+              <a:defRPr sz="1543"/>
             </a:lvl2pPr>
-            <a:lvl3pPr marL="1680027" indent="0">
-              <a:buNone/>
-              <a:defRPr sz="2205"/>
+            <a:lvl3pPr marL="1008035" indent="0">
+              <a:buNone/>
+              <a:defRPr sz="1323"/>
             </a:lvl3pPr>
-            <a:lvl4pPr marL="2520041" indent="0">
-              <a:buNone/>
-              <a:defRPr sz="1837"/>
+            <a:lvl4pPr marL="1512052" indent="0">
+              <a:buNone/>
+              <a:defRPr sz="1102"/>
             </a:lvl4pPr>
-            <a:lvl5pPr marL="3360054" indent="0">
-              <a:buNone/>
-              <a:defRPr sz="1837"/>
+            <a:lvl5pPr marL="2016069" indent="0">
+              <a:buNone/>
+              <a:defRPr sz="1102"/>
             </a:lvl5pPr>
-            <a:lvl6pPr marL="4200068" indent="0">
-              <a:buNone/>
-              <a:defRPr sz="1837"/>
+            <a:lvl6pPr marL="2520086" indent="0">
+              <a:buNone/>
+              <a:defRPr sz="1102"/>
             </a:lvl6pPr>
-            <a:lvl7pPr marL="5040081" indent="0">
-              <a:buNone/>
-              <a:defRPr sz="1837"/>
+            <a:lvl7pPr marL="3024104" indent="0">
+              <a:buNone/>
+              <a:defRPr sz="1102"/>
             </a:lvl7pPr>
-            <a:lvl8pPr marL="5880095" indent="0">
-              <a:buNone/>
-              <a:defRPr sz="1837"/>
+            <a:lvl8pPr marL="3528121" indent="0">
+              <a:buNone/>
+              <a:defRPr sz="1102"/>
             </a:lvl8pPr>
-            <a:lvl9pPr marL="6720108" indent="0">
-              <a:buNone/>
-              <a:defRPr sz="1837"/>
+            <a:lvl9pPr marL="4032138" indent="0">
+              <a:buNone/>
+              <a:defRPr sz="1102"/>
             </a:lvl9pPr>
           </a:lstStyle>
           <a:p>
@@ -2566,7 +2559,7 @@
           <a:p>
             <a:fld id="{C21F6666-3EDE-4E8B-BC82-F371B9B084D1}" type="datetimeFigureOut">
               <a:rPr lang="zh-CN" altLang="en-US" smtClean="0"/>
-              <a:t>2021/10/19</a:t>
+              <a:t>2021/10/22</a:t>
             </a:fld>
             <a:endParaRPr lang="zh-CN" altLang="en-US"/>
           </a:p>
@@ -2617,7 +2610,7 @@
     </p:spTree>
     <p:extLst>
       <p:ext uri="{BB962C8B-B14F-4D97-AF65-F5344CB8AC3E}">
-        <p14:creationId xmlns:p14="http://schemas.microsoft.com/office/powerpoint/2010/main" val="2254692333"/>
+        <p14:creationId xmlns:p14="http://schemas.microsoft.com/office/powerpoint/2010/main" val="1206518660"/>
       </p:ext>
     </p:extLst>
   </p:cSld>
@@ -2656,15 +2649,15 @@
         </p:nvSpPr>
         <p:spPr>
           <a:xfrm>
-            <a:off x="2355672" y="839999"/>
-            <a:ext cx="11030232" cy="2939997"/>
+            <a:off x="694356" y="599969"/>
+            <a:ext cx="3251264" cy="2099892"/>
           </a:xfrm>
         </p:spPr>
         <p:txBody>
           <a:bodyPr anchor="b"/>
           <a:lstStyle>
             <a:lvl1pPr>
-              <a:defRPr sz="5879"/>
+              <a:defRPr sz="3528"/>
             </a:lvl1pPr>
           </a:lstStyle>
           <a:p>
@@ -2688,8 +2681,8 @@
         </p:nvSpPr>
         <p:spPr>
           <a:xfrm>
-            <a:off x="14539248" y="1814166"/>
-            <a:ext cx="17313503" cy="8954158"/>
+            <a:off x="4285579" y="1295769"/>
+            <a:ext cx="5103316" cy="6395505"/>
           </a:xfrm>
         </p:spPr>
         <p:txBody>
@@ -2697,39 +2690,39 @@
           <a:lstStyle>
             <a:lvl1pPr marL="0" indent="0">
               <a:buNone/>
-              <a:defRPr sz="5879"/>
+              <a:defRPr sz="3528"/>
             </a:lvl1pPr>
-            <a:lvl2pPr marL="840014" indent="0">
-              <a:buNone/>
-              <a:defRPr sz="5144"/>
+            <a:lvl2pPr marL="504017" indent="0">
+              <a:buNone/>
+              <a:defRPr sz="3087"/>
             </a:lvl2pPr>
-            <a:lvl3pPr marL="1680027" indent="0">
-              <a:buNone/>
-              <a:defRPr sz="4410"/>
+            <a:lvl3pPr marL="1008035" indent="0">
+              <a:buNone/>
+              <a:defRPr sz="2646"/>
             </a:lvl3pPr>
-            <a:lvl4pPr marL="2520041" indent="0">
-              <a:buNone/>
-              <a:defRPr sz="3675"/>
+            <a:lvl4pPr marL="1512052" indent="0">
+              <a:buNone/>
+              <a:defRPr sz="2205"/>
             </a:lvl4pPr>
-            <a:lvl5pPr marL="3360054" indent="0">
-              <a:buNone/>
-              <a:defRPr sz="3675"/>
+            <a:lvl5pPr marL="2016069" indent="0">
+              <a:buNone/>
+              <a:defRPr sz="2205"/>
             </a:lvl5pPr>
-            <a:lvl6pPr marL="4200068" indent="0">
-              <a:buNone/>
-              <a:defRPr sz="3675"/>
+            <a:lvl6pPr marL="2520086" indent="0">
+              <a:buNone/>
+              <a:defRPr sz="2205"/>
             </a:lvl6pPr>
-            <a:lvl7pPr marL="5040081" indent="0">
-              <a:buNone/>
-              <a:defRPr sz="3675"/>
+            <a:lvl7pPr marL="3024104" indent="0">
+              <a:buNone/>
+              <a:defRPr sz="2205"/>
             </a:lvl7pPr>
-            <a:lvl8pPr marL="5880095" indent="0">
-              <a:buNone/>
-              <a:defRPr sz="3675"/>
+            <a:lvl8pPr marL="3528121" indent="0">
+              <a:buNone/>
+              <a:defRPr sz="2205"/>
             </a:lvl8pPr>
-            <a:lvl9pPr marL="6720108" indent="0">
-              <a:buNone/>
-              <a:defRPr sz="3675"/>
+            <a:lvl9pPr marL="4032138" indent="0">
+              <a:buNone/>
+              <a:defRPr sz="2205"/>
             </a:lvl9pPr>
           </a:lstStyle>
           <a:p>
@@ -2753,8 +2746,8 @@
         </p:nvSpPr>
         <p:spPr>
           <a:xfrm>
-            <a:off x="2355672" y="3779996"/>
-            <a:ext cx="11030232" cy="7002911"/>
+            <a:off x="694356" y="2699862"/>
+            <a:ext cx="3251264" cy="5001827"/>
           </a:xfrm>
         </p:spPr>
         <p:txBody>
@@ -2762,39 +2755,39 @@
           <a:lstStyle>
             <a:lvl1pPr marL="0" indent="0">
               <a:buNone/>
-              <a:defRPr sz="2940"/>
+              <a:defRPr sz="1764"/>
             </a:lvl1pPr>
-            <a:lvl2pPr marL="840014" indent="0">
-              <a:buNone/>
-              <a:defRPr sz="2572"/>
+            <a:lvl2pPr marL="504017" indent="0">
+              <a:buNone/>
+              <a:defRPr sz="1543"/>
             </a:lvl2pPr>
-            <a:lvl3pPr marL="1680027" indent="0">
-              <a:buNone/>
-              <a:defRPr sz="2205"/>
+            <a:lvl3pPr marL="1008035" indent="0">
+              <a:buNone/>
+              <a:defRPr sz="1323"/>
             </a:lvl3pPr>
-            <a:lvl4pPr marL="2520041" indent="0">
-              <a:buNone/>
-              <a:defRPr sz="1837"/>
+            <a:lvl4pPr marL="1512052" indent="0">
+              <a:buNone/>
+              <a:defRPr sz="1102"/>
             </a:lvl4pPr>
-            <a:lvl5pPr marL="3360054" indent="0">
-              <a:buNone/>
-              <a:defRPr sz="1837"/>
+            <a:lvl5pPr marL="2016069" indent="0">
+              <a:buNone/>
+              <a:defRPr sz="1102"/>
             </a:lvl5pPr>
-            <a:lvl6pPr marL="4200068" indent="0">
-              <a:buNone/>
-              <a:defRPr sz="1837"/>
+            <a:lvl6pPr marL="2520086" indent="0">
+              <a:buNone/>
+              <a:defRPr sz="1102"/>
             </a:lvl6pPr>
-            <a:lvl7pPr marL="5040081" indent="0">
-              <a:buNone/>
-              <a:defRPr sz="1837"/>
+            <a:lvl7pPr marL="3024104" indent="0">
+              <a:buNone/>
+              <a:defRPr sz="1102"/>
             </a:lvl7pPr>
-            <a:lvl8pPr marL="5880095" indent="0">
-              <a:buNone/>
-              <a:defRPr sz="1837"/>
+            <a:lvl8pPr marL="3528121" indent="0">
+              <a:buNone/>
+              <a:defRPr sz="1102"/>
             </a:lvl8pPr>
-            <a:lvl9pPr marL="6720108" indent="0">
-              <a:buNone/>
-              <a:defRPr sz="1837"/>
+            <a:lvl9pPr marL="4032138" indent="0">
+              <a:buNone/>
+              <a:defRPr sz="1102"/>
             </a:lvl9pPr>
           </a:lstStyle>
           <a:p>
@@ -2823,7 +2816,7 @@
           <a:p>
             <a:fld id="{C21F6666-3EDE-4E8B-BC82-F371B9B084D1}" type="datetimeFigureOut">
               <a:rPr lang="zh-CN" altLang="en-US" smtClean="0"/>
-              <a:t>2021/10/19</a:t>
+              <a:t>2021/10/22</a:t>
             </a:fld>
             <a:endParaRPr lang="zh-CN" altLang="en-US"/>
           </a:p>
@@ -2874,7 +2867,7 @@
     </p:spTree>
     <p:extLst>
       <p:ext uri="{BB962C8B-B14F-4D97-AF65-F5344CB8AC3E}">
-        <p14:creationId xmlns:p14="http://schemas.microsoft.com/office/powerpoint/2010/main" val="3274781586"/>
+        <p14:creationId xmlns:p14="http://schemas.microsoft.com/office/powerpoint/2010/main" val="934500647"/>
       </p:ext>
     </p:extLst>
   </p:cSld>
@@ -2918,8 +2911,8 @@
         </p:nvSpPr>
         <p:spPr>
           <a:xfrm>
-            <a:off x="2351217" y="670834"/>
-            <a:ext cx="29497080" cy="2435415"/>
+            <a:off x="693043" y="479144"/>
+            <a:ext cx="8694539" cy="1739495"/>
           </a:xfrm>
           <a:prstGeom prst="rect">
             <a:avLst/>
@@ -2951,8 +2944,8 @@
         </p:nvSpPr>
         <p:spPr>
           <a:xfrm>
-            <a:off x="2351217" y="3354163"/>
-            <a:ext cx="29497080" cy="7994577"/>
+            <a:off x="693043" y="2395710"/>
+            <a:ext cx="8694539" cy="5710124"/>
           </a:xfrm>
           <a:prstGeom prst="rect">
             <a:avLst/>
@@ -3013,8 +3006,8 @@
         </p:nvSpPr>
         <p:spPr>
           <a:xfrm>
-            <a:off x="2351217" y="11678323"/>
-            <a:ext cx="7694890" cy="670833"/>
+            <a:off x="693043" y="8341240"/>
+            <a:ext cx="2268141" cy="479142"/>
           </a:xfrm>
           <a:prstGeom prst="rect">
             <a:avLst/>
@@ -3024,7 +3017,7 @@
           <a:bodyPr vert="horz" lIns="91440" tIns="45720" rIns="91440" bIns="45720" rtlCol="0" anchor="ctr"/>
           <a:lstStyle>
             <a:lvl1pPr algn="l">
-              <a:defRPr sz="2205">
+              <a:defRPr sz="1323">
                 <a:solidFill>
                   <a:schemeClr val="tx1">
                     <a:tint val="75000"/>
@@ -3036,7 +3029,7 @@
           <a:p>
             <a:fld id="{C21F6666-3EDE-4E8B-BC82-F371B9B084D1}" type="datetimeFigureOut">
               <a:rPr lang="zh-CN" altLang="en-US" smtClean="0"/>
-              <a:t>2021/10/19</a:t>
+              <a:t>2021/10/22</a:t>
             </a:fld>
             <a:endParaRPr lang="zh-CN" altLang="en-US"/>
           </a:p>
@@ -3054,8 +3047,8 @@
         </p:nvSpPr>
         <p:spPr>
           <a:xfrm>
-            <a:off x="11328589" y="11678323"/>
-            <a:ext cx="11542336" cy="670833"/>
+            <a:off x="3339207" y="8341240"/>
+            <a:ext cx="3402211" cy="479142"/>
           </a:xfrm>
           <a:prstGeom prst="rect">
             <a:avLst/>
@@ -3065,7 +3058,7 @@
           <a:bodyPr vert="horz" lIns="91440" tIns="45720" rIns="91440" bIns="45720" rtlCol="0" anchor="ctr"/>
           <a:lstStyle>
             <a:lvl1pPr algn="ctr">
-              <a:defRPr sz="2205">
+              <a:defRPr sz="1323">
                 <a:solidFill>
                   <a:schemeClr val="tx1">
                     <a:tint val="75000"/>
@@ -3091,8 +3084,8 @@
         </p:nvSpPr>
         <p:spPr>
           <a:xfrm>
-            <a:off x="24153406" y="11678323"/>
-            <a:ext cx="7694890" cy="670833"/>
+            <a:off x="7119441" y="8341240"/>
+            <a:ext cx="2268141" cy="479142"/>
           </a:xfrm>
           <a:prstGeom prst="rect">
             <a:avLst/>
@@ -3102,7 +3095,7 @@
           <a:bodyPr vert="horz" lIns="91440" tIns="45720" rIns="91440" bIns="45720" rtlCol="0" anchor="ctr"/>
           <a:lstStyle>
             <a:lvl1pPr algn="r">
-              <a:defRPr sz="2205">
+              <a:defRPr sz="1323">
                 <a:solidFill>
                   <a:schemeClr val="tx1">
                     <a:tint val="75000"/>
@@ -3123,27 +3116,27 @@
     </p:spTree>
     <p:extLst>
       <p:ext uri="{BB962C8B-B14F-4D97-AF65-F5344CB8AC3E}">
-        <p14:creationId xmlns:p14="http://schemas.microsoft.com/office/powerpoint/2010/main" val="2161384558"/>
+        <p14:creationId xmlns:p14="http://schemas.microsoft.com/office/powerpoint/2010/main" val="1559324528"/>
       </p:ext>
     </p:extLst>
   </p:cSld>
   <p:clrMap bg1="lt1" tx1="dk1" bg2="lt2" tx2="dk2" accent1="accent1" accent2="accent2" accent3="accent3" accent4="accent4" accent5="accent5" accent6="accent6" hlink="hlink" folHlink="folHlink"/>
   <p:sldLayoutIdLst>
-    <p:sldLayoutId id="2147483721" r:id="rId1"/>
-    <p:sldLayoutId id="2147483722" r:id="rId2"/>
-    <p:sldLayoutId id="2147483723" r:id="rId3"/>
-    <p:sldLayoutId id="2147483724" r:id="rId4"/>
-    <p:sldLayoutId id="2147483725" r:id="rId5"/>
-    <p:sldLayoutId id="2147483726" r:id="rId6"/>
-    <p:sldLayoutId id="2147483727" r:id="rId7"/>
-    <p:sldLayoutId id="2147483728" r:id="rId8"/>
-    <p:sldLayoutId id="2147483729" r:id="rId9"/>
-    <p:sldLayoutId id="2147483730" r:id="rId10"/>
-    <p:sldLayoutId id="2147483731" r:id="rId11"/>
+    <p:sldLayoutId id="2147483661" r:id="rId1"/>
+    <p:sldLayoutId id="2147483662" r:id="rId2"/>
+    <p:sldLayoutId id="2147483663" r:id="rId3"/>
+    <p:sldLayoutId id="2147483664" r:id="rId4"/>
+    <p:sldLayoutId id="2147483665" r:id="rId5"/>
+    <p:sldLayoutId id="2147483666" r:id="rId6"/>
+    <p:sldLayoutId id="2147483667" r:id="rId7"/>
+    <p:sldLayoutId id="2147483668" r:id="rId8"/>
+    <p:sldLayoutId id="2147483669" r:id="rId9"/>
+    <p:sldLayoutId id="2147483670" r:id="rId10"/>
+    <p:sldLayoutId id="2147483671" r:id="rId11"/>
   </p:sldLayoutIdLst>
   <p:txStyles>
     <p:titleStyle>
-      <a:lvl1pPr algn="l" defTabSz="1680027" rtl="0" eaLnBrk="1" latinLnBrk="0" hangingPunct="1">
+      <a:lvl1pPr algn="l" defTabSz="1008035" rtl="0" eaLnBrk="1" latinLnBrk="0" hangingPunct="1">
         <a:lnSpc>
           <a:spcPct val="90000"/>
         </a:lnSpc>
@@ -3151,7 +3144,7 @@
           <a:spcPct val="0"/>
         </a:spcBef>
         <a:buNone/>
-        <a:defRPr sz="8084" kern="1200">
+        <a:defRPr sz="4851" kern="1200">
           <a:solidFill>
             <a:schemeClr val="tx1"/>
           </a:solidFill>
@@ -3162,16 +3155,16 @@
       </a:lvl1pPr>
     </p:titleStyle>
     <p:bodyStyle>
-      <a:lvl1pPr marL="420007" indent="-420007" algn="l" defTabSz="1680027" rtl="0" eaLnBrk="1" latinLnBrk="0" hangingPunct="1">
+      <a:lvl1pPr marL="252009" indent="-252009" algn="l" defTabSz="1008035" rtl="0" eaLnBrk="1" latinLnBrk="0" hangingPunct="1">
         <a:lnSpc>
           <a:spcPct val="90000"/>
         </a:lnSpc>
         <a:spcBef>
-          <a:spcPts val="1837"/>
+          <a:spcPts val="1102"/>
         </a:spcBef>
         <a:buFont typeface="Arial" panose="020B0604020202020204" pitchFamily="34" charset="0"/>
         <a:buChar char="•"/>
-        <a:defRPr sz="5144" kern="1200">
+        <a:defRPr sz="3087" kern="1200">
           <a:solidFill>
             <a:schemeClr val="tx1"/>
           </a:solidFill>
@@ -3180,16 +3173,16 @@
           <a:cs typeface="+mn-cs"/>
         </a:defRPr>
       </a:lvl1pPr>
-      <a:lvl2pPr marL="1260020" indent="-420007" algn="l" defTabSz="1680027" rtl="0" eaLnBrk="1" latinLnBrk="0" hangingPunct="1">
+      <a:lvl2pPr marL="756026" indent="-252009" algn="l" defTabSz="1008035" rtl="0" eaLnBrk="1" latinLnBrk="0" hangingPunct="1">
         <a:lnSpc>
           <a:spcPct val="90000"/>
         </a:lnSpc>
         <a:spcBef>
-          <a:spcPts val="919"/>
+          <a:spcPts val="551"/>
         </a:spcBef>
         <a:buFont typeface="Arial" panose="020B0604020202020204" pitchFamily="34" charset="0"/>
         <a:buChar char="•"/>
-        <a:defRPr sz="4410" kern="1200">
+        <a:defRPr sz="2646" kern="1200">
           <a:solidFill>
             <a:schemeClr val="tx1"/>
           </a:solidFill>
@@ -3198,16 +3191,16 @@
           <a:cs typeface="+mn-cs"/>
         </a:defRPr>
       </a:lvl2pPr>
-      <a:lvl3pPr marL="2100034" indent="-420007" algn="l" defTabSz="1680027" rtl="0" eaLnBrk="1" latinLnBrk="0" hangingPunct="1">
+      <a:lvl3pPr marL="1260043" indent="-252009" algn="l" defTabSz="1008035" rtl="0" eaLnBrk="1" latinLnBrk="0" hangingPunct="1">
         <a:lnSpc>
           <a:spcPct val="90000"/>
         </a:lnSpc>
         <a:spcBef>
-          <a:spcPts val="919"/>
+          <a:spcPts val="551"/>
         </a:spcBef>
         <a:buFont typeface="Arial" panose="020B0604020202020204" pitchFamily="34" charset="0"/>
         <a:buChar char="•"/>
-        <a:defRPr sz="3675" kern="1200">
+        <a:defRPr sz="2205" kern="1200">
           <a:solidFill>
             <a:schemeClr val="tx1"/>
           </a:solidFill>
@@ -3216,16 +3209,16 @@
           <a:cs typeface="+mn-cs"/>
         </a:defRPr>
       </a:lvl3pPr>
-      <a:lvl4pPr marL="2940047" indent="-420007" algn="l" defTabSz="1680027" rtl="0" eaLnBrk="1" latinLnBrk="0" hangingPunct="1">
+      <a:lvl4pPr marL="1764060" indent="-252009" algn="l" defTabSz="1008035" rtl="0" eaLnBrk="1" latinLnBrk="0" hangingPunct="1">
         <a:lnSpc>
           <a:spcPct val="90000"/>
         </a:lnSpc>
         <a:spcBef>
-          <a:spcPts val="919"/>
+          <a:spcPts val="551"/>
         </a:spcBef>
         <a:buFont typeface="Arial" panose="020B0604020202020204" pitchFamily="34" charset="0"/>
         <a:buChar char="•"/>
-        <a:defRPr sz="3307" kern="1200">
+        <a:defRPr sz="1984" kern="1200">
           <a:solidFill>
             <a:schemeClr val="tx1"/>
           </a:solidFill>
@@ -3234,16 +3227,16 @@
           <a:cs typeface="+mn-cs"/>
         </a:defRPr>
       </a:lvl4pPr>
-      <a:lvl5pPr marL="3780061" indent="-420007" algn="l" defTabSz="1680027" rtl="0" eaLnBrk="1" latinLnBrk="0" hangingPunct="1">
+      <a:lvl5pPr marL="2268078" indent="-252009" algn="l" defTabSz="1008035" rtl="0" eaLnBrk="1" latinLnBrk="0" hangingPunct="1">
         <a:lnSpc>
           <a:spcPct val="90000"/>
         </a:lnSpc>
         <a:spcBef>
-          <a:spcPts val="919"/>
+          <a:spcPts val="551"/>
         </a:spcBef>
         <a:buFont typeface="Arial" panose="020B0604020202020204" pitchFamily="34" charset="0"/>
         <a:buChar char="•"/>
-        <a:defRPr sz="3307" kern="1200">
+        <a:defRPr sz="1984" kern="1200">
           <a:solidFill>
             <a:schemeClr val="tx1"/>
           </a:solidFill>
@@ -3252,16 +3245,16 @@
           <a:cs typeface="+mn-cs"/>
         </a:defRPr>
       </a:lvl5pPr>
-      <a:lvl6pPr marL="4620075" indent="-420007" algn="l" defTabSz="1680027" rtl="0" eaLnBrk="1" latinLnBrk="0" hangingPunct="1">
+      <a:lvl6pPr marL="2772095" indent="-252009" algn="l" defTabSz="1008035" rtl="0" eaLnBrk="1" latinLnBrk="0" hangingPunct="1">
         <a:lnSpc>
           <a:spcPct val="90000"/>
         </a:lnSpc>
         <a:spcBef>
-          <a:spcPts val="919"/>
+          <a:spcPts val="551"/>
         </a:spcBef>
         <a:buFont typeface="Arial" panose="020B0604020202020204" pitchFamily="34" charset="0"/>
         <a:buChar char="•"/>
-        <a:defRPr sz="3307" kern="1200">
+        <a:defRPr sz="1984" kern="1200">
           <a:solidFill>
             <a:schemeClr val="tx1"/>
           </a:solidFill>
@@ -3270,16 +3263,16 @@
           <a:cs typeface="+mn-cs"/>
         </a:defRPr>
       </a:lvl6pPr>
-      <a:lvl7pPr marL="5460088" indent="-420007" algn="l" defTabSz="1680027" rtl="0" eaLnBrk="1" latinLnBrk="0" hangingPunct="1">
+      <a:lvl7pPr marL="3276112" indent="-252009" algn="l" defTabSz="1008035" rtl="0" eaLnBrk="1" latinLnBrk="0" hangingPunct="1">
         <a:lnSpc>
           <a:spcPct val="90000"/>
         </a:lnSpc>
         <a:spcBef>
-          <a:spcPts val="919"/>
+          <a:spcPts val="551"/>
         </a:spcBef>
         <a:buFont typeface="Arial" panose="020B0604020202020204" pitchFamily="34" charset="0"/>
         <a:buChar char="•"/>
-        <a:defRPr sz="3307" kern="1200">
+        <a:defRPr sz="1984" kern="1200">
           <a:solidFill>
             <a:schemeClr val="tx1"/>
           </a:solidFill>
@@ -3288,16 +3281,16 @@
           <a:cs typeface="+mn-cs"/>
         </a:defRPr>
       </a:lvl7pPr>
-      <a:lvl8pPr marL="6300102" indent="-420007" algn="l" defTabSz="1680027" rtl="0" eaLnBrk="1" latinLnBrk="0" hangingPunct="1">
+      <a:lvl8pPr marL="3780130" indent="-252009" algn="l" defTabSz="1008035" rtl="0" eaLnBrk="1" latinLnBrk="0" hangingPunct="1">
         <a:lnSpc>
           <a:spcPct val="90000"/>
         </a:lnSpc>
         <a:spcBef>
-          <a:spcPts val="919"/>
+          <a:spcPts val="551"/>
         </a:spcBef>
         <a:buFont typeface="Arial" panose="020B0604020202020204" pitchFamily="34" charset="0"/>
         <a:buChar char="•"/>
-        <a:defRPr sz="3307" kern="1200">
+        <a:defRPr sz="1984" kern="1200">
           <a:solidFill>
             <a:schemeClr val="tx1"/>
           </a:solidFill>
@@ -3306,16 +3299,16 @@
           <a:cs typeface="+mn-cs"/>
         </a:defRPr>
       </a:lvl8pPr>
-      <a:lvl9pPr marL="7140115" indent="-420007" algn="l" defTabSz="1680027" rtl="0" eaLnBrk="1" latinLnBrk="0" hangingPunct="1">
+      <a:lvl9pPr marL="4284147" indent="-252009" algn="l" defTabSz="1008035" rtl="0" eaLnBrk="1" latinLnBrk="0" hangingPunct="1">
         <a:lnSpc>
           <a:spcPct val="90000"/>
         </a:lnSpc>
         <a:spcBef>
-          <a:spcPts val="919"/>
+          <a:spcPts val="551"/>
         </a:spcBef>
         <a:buFont typeface="Arial" panose="020B0604020202020204" pitchFamily="34" charset="0"/>
         <a:buChar char="•"/>
-        <a:defRPr sz="3307" kern="1200">
+        <a:defRPr sz="1984" kern="1200">
           <a:solidFill>
             <a:schemeClr val="tx1"/>
           </a:solidFill>
@@ -3329,8 +3322,8 @@
       <a:defPPr>
         <a:defRPr lang="en-US"/>
       </a:defPPr>
-      <a:lvl1pPr marL="0" algn="l" defTabSz="1680027" rtl="0" eaLnBrk="1" latinLnBrk="0" hangingPunct="1">
-        <a:defRPr sz="3307" kern="1200">
+      <a:lvl1pPr marL="0" algn="l" defTabSz="1008035" rtl="0" eaLnBrk="1" latinLnBrk="0" hangingPunct="1">
+        <a:defRPr sz="1984" kern="1200">
           <a:solidFill>
             <a:schemeClr val="tx1"/>
           </a:solidFill>
@@ -3339,8 +3332,8 @@
           <a:cs typeface="+mn-cs"/>
         </a:defRPr>
       </a:lvl1pPr>
-      <a:lvl2pPr marL="840014" algn="l" defTabSz="1680027" rtl="0" eaLnBrk="1" latinLnBrk="0" hangingPunct="1">
-        <a:defRPr sz="3307" kern="1200">
+      <a:lvl2pPr marL="504017" algn="l" defTabSz="1008035" rtl="0" eaLnBrk="1" latinLnBrk="0" hangingPunct="1">
+        <a:defRPr sz="1984" kern="1200">
           <a:solidFill>
             <a:schemeClr val="tx1"/>
           </a:solidFill>
@@ -3349,8 +3342,8 @@
           <a:cs typeface="+mn-cs"/>
         </a:defRPr>
       </a:lvl2pPr>
-      <a:lvl3pPr marL="1680027" algn="l" defTabSz="1680027" rtl="0" eaLnBrk="1" latinLnBrk="0" hangingPunct="1">
-        <a:defRPr sz="3307" kern="1200">
+      <a:lvl3pPr marL="1008035" algn="l" defTabSz="1008035" rtl="0" eaLnBrk="1" latinLnBrk="0" hangingPunct="1">
+        <a:defRPr sz="1984" kern="1200">
           <a:solidFill>
             <a:schemeClr val="tx1"/>
           </a:solidFill>
@@ -3359,8 +3352,8 @@
           <a:cs typeface="+mn-cs"/>
         </a:defRPr>
       </a:lvl3pPr>
-      <a:lvl4pPr marL="2520041" algn="l" defTabSz="1680027" rtl="0" eaLnBrk="1" latinLnBrk="0" hangingPunct="1">
-        <a:defRPr sz="3307" kern="1200">
+      <a:lvl4pPr marL="1512052" algn="l" defTabSz="1008035" rtl="0" eaLnBrk="1" latinLnBrk="0" hangingPunct="1">
+        <a:defRPr sz="1984" kern="1200">
           <a:solidFill>
             <a:schemeClr val="tx1"/>
           </a:solidFill>
@@ -3369,8 +3362,8 @@
           <a:cs typeface="+mn-cs"/>
         </a:defRPr>
       </a:lvl4pPr>
-      <a:lvl5pPr marL="3360054" algn="l" defTabSz="1680027" rtl="0" eaLnBrk="1" latinLnBrk="0" hangingPunct="1">
-        <a:defRPr sz="3307" kern="1200">
+      <a:lvl5pPr marL="2016069" algn="l" defTabSz="1008035" rtl="0" eaLnBrk="1" latinLnBrk="0" hangingPunct="1">
+        <a:defRPr sz="1984" kern="1200">
           <a:solidFill>
             <a:schemeClr val="tx1"/>
           </a:solidFill>
@@ -3379,8 +3372,8 @@
           <a:cs typeface="+mn-cs"/>
         </a:defRPr>
       </a:lvl5pPr>
-      <a:lvl6pPr marL="4200068" algn="l" defTabSz="1680027" rtl="0" eaLnBrk="1" latinLnBrk="0" hangingPunct="1">
-        <a:defRPr sz="3307" kern="1200">
+      <a:lvl6pPr marL="2520086" algn="l" defTabSz="1008035" rtl="0" eaLnBrk="1" latinLnBrk="0" hangingPunct="1">
+        <a:defRPr sz="1984" kern="1200">
           <a:solidFill>
             <a:schemeClr val="tx1"/>
           </a:solidFill>
@@ -3389,8 +3382,8 @@
           <a:cs typeface="+mn-cs"/>
         </a:defRPr>
       </a:lvl6pPr>
-      <a:lvl7pPr marL="5040081" algn="l" defTabSz="1680027" rtl="0" eaLnBrk="1" latinLnBrk="0" hangingPunct="1">
-        <a:defRPr sz="3307" kern="1200">
+      <a:lvl7pPr marL="3024104" algn="l" defTabSz="1008035" rtl="0" eaLnBrk="1" latinLnBrk="0" hangingPunct="1">
+        <a:defRPr sz="1984" kern="1200">
           <a:solidFill>
             <a:schemeClr val="tx1"/>
           </a:solidFill>
@@ -3399,8 +3392,8 @@
           <a:cs typeface="+mn-cs"/>
         </a:defRPr>
       </a:lvl7pPr>
-      <a:lvl8pPr marL="5880095" algn="l" defTabSz="1680027" rtl="0" eaLnBrk="1" latinLnBrk="0" hangingPunct="1">
-        <a:defRPr sz="3307" kern="1200">
+      <a:lvl8pPr marL="3528121" algn="l" defTabSz="1008035" rtl="0" eaLnBrk="1" latinLnBrk="0" hangingPunct="1">
+        <a:defRPr sz="1984" kern="1200">
           <a:solidFill>
             <a:schemeClr val="tx1"/>
           </a:solidFill>
@@ -3409,8 +3402,8 @@
           <a:cs typeface="+mn-cs"/>
         </a:defRPr>
       </a:lvl8pPr>
-      <a:lvl9pPr marL="6720108" algn="l" defTabSz="1680027" rtl="0" eaLnBrk="1" latinLnBrk="0" hangingPunct="1">
-        <a:defRPr sz="3307" kern="1200">
+      <a:lvl9pPr marL="4032138" algn="l" defTabSz="1008035" rtl="0" eaLnBrk="1" latinLnBrk="0" hangingPunct="1">
+        <a:defRPr sz="1984" kern="1200">
           <a:solidFill>
             <a:schemeClr val="tx1"/>
           </a:solidFill>
@@ -3443,10 +3436,10 @@
       </p:grpSpPr>
       <p:pic>
         <p:nvPicPr>
-          <p:cNvPr id="25" name="Picture 24">
+          <p:cNvPr id="8" name="Picture 7" descr="Chart, treemap chart&#10;&#10;Description automatically generated">
             <a:extLst>
               <a:ext uri="{FF2B5EF4-FFF2-40B4-BE49-F238E27FC236}">
-                <a16:creationId xmlns:a16="http://schemas.microsoft.com/office/drawing/2014/main" id="{9E0C3179-8F65-429F-9943-CE39E3AF0737}"/>
+                <a16:creationId xmlns:a16="http://schemas.microsoft.com/office/drawing/2014/main" id="{94BB96E7-8818-4041-AF68-5509A3113A8B}"/>
               </a:ext>
             </a:extLst>
           </p:cNvPr>
@@ -3463,70 +3456,26 @@
               </a:ext>
             </a:extLst>
           </a:blip>
-          <a:srcRect/>
-          <a:stretch/>
+          <a:stretch>
+            <a:fillRect/>
+          </a:stretch>
         </p:blipFill>
         <p:spPr>
           <a:xfrm>
-            <a:off x="461335" y="1820793"/>
-            <a:ext cx="11555048" cy="6455699"/>
+            <a:off x="4695283" y="343769"/>
+            <a:ext cx="4957298" cy="5153517"/>
           </a:xfrm>
           <a:prstGeom prst="rect">
             <a:avLst/>
           </a:prstGeom>
         </p:spPr>
       </p:pic>
-      <p:sp>
-        <p:nvSpPr>
-          <p:cNvPr id="26" name="TextBox 25">
+      <p:pic>
+        <p:nvPicPr>
+          <p:cNvPr id="9" name="Picture 8" descr="A picture containing treemap chart&#10;&#10;Description automatically generated">
             <a:extLst>
               <a:ext uri="{FF2B5EF4-FFF2-40B4-BE49-F238E27FC236}">
-                <a16:creationId xmlns:a16="http://schemas.microsoft.com/office/drawing/2014/main" id="{5C21AB4E-FB42-40F6-BB54-9DC9BA4E1320}"/>
-              </a:ext>
-            </a:extLst>
-          </p:cNvPr>
-          <p:cNvSpPr txBox="1"/>
-          <p:nvPr/>
-        </p:nvSpPr>
-        <p:spPr>
-          <a:xfrm>
-            <a:off x="4494748" y="540005"/>
-            <a:ext cx="3057119" cy="646331"/>
-          </a:xfrm>
-          <a:prstGeom prst="rect">
-            <a:avLst/>
-          </a:prstGeom>
-          <a:noFill/>
-        </p:spPr>
-        <p:txBody>
-          <a:bodyPr wrap="none" rtlCol="0">
-            <a:spAutoFit/>
-          </a:bodyPr>
-          <a:lstStyle/>
-          <a:p>
-            <a:pPr algn="ctr"/>
-            <a:r>
-              <a:rPr lang="en-US" altLang="zh-CN" sz="3600" dirty="0">
-                <a:solidFill>
-                  <a:srgbClr val="57868C"/>
-                </a:solidFill>
-              </a:rPr>
-              <a:t>Healthy control</a:t>
-            </a:r>
-            <a:endParaRPr lang="zh-CN" altLang="en-US" sz="3600" dirty="0">
-              <a:solidFill>
-                <a:srgbClr val="57868C"/>
-              </a:solidFill>
-            </a:endParaRPr>
-          </a:p>
-        </p:txBody>
-      </p:sp>
-      <p:pic>
-        <p:nvPicPr>
-          <p:cNvPr id="27" name="Picture 26">
-            <a:extLst>
-              <a:ext uri="{FF2B5EF4-FFF2-40B4-BE49-F238E27FC236}">
-                <a16:creationId xmlns:a16="http://schemas.microsoft.com/office/drawing/2014/main" id="{A6071795-E5DE-48B3-A7C4-60E8EC0BFAA5}"/>
+                <a16:creationId xmlns:a16="http://schemas.microsoft.com/office/drawing/2014/main" id="{2A2F113A-5859-4BDD-BC6B-AD608F9D6ED2}"/>
               </a:ext>
             </a:extLst>
           </p:cNvPr>
@@ -3543,13 +3492,14 @@
               </a:ext>
             </a:extLst>
           </a:blip>
-          <a:srcRect/>
-          <a:stretch/>
+          <a:stretch>
+            <a:fillRect/>
+          </a:stretch>
         </p:blipFill>
         <p:spPr>
           <a:xfrm>
-            <a:off x="11948904" y="1616502"/>
-            <a:ext cx="11109849" cy="7433934"/>
+            <a:off x="113453" y="282328"/>
+            <a:ext cx="4581830" cy="6353047"/>
           </a:xfrm>
           <a:prstGeom prst="rect">
             <a:avLst/>
@@ -3558,10 +3508,10 @@
       </p:pic>
       <p:sp>
         <p:nvSpPr>
-          <p:cNvPr id="28" name="TextBox 27">
+          <p:cNvPr id="10" name="TextBox 9">
             <a:extLst>
               <a:ext uri="{FF2B5EF4-FFF2-40B4-BE49-F238E27FC236}">
-                <a16:creationId xmlns:a16="http://schemas.microsoft.com/office/drawing/2014/main" id="{7739EBF4-00D5-4FF3-8E06-96006FF02BF5}"/>
+                <a16:creationId xmlns:a16="http://schemas.microsoft.com/office/drawing/2014/main" id="{B06425E1-278B-4401-A510-0DDB0E0C7DE6}"/>
               </a:ext>
             </a:extLst>
           </p:cNvPr>
@@ -3570,8 +3520,8 @@
         </p:nvSpPr>
         <p:spPr>
           <a:xfrm>
-            <a:off x="16979875" y="540005"/>
-            <a:ext cx="1999265" cy="646331"/>
+            <a:off x="4826198" y="82273"/>
+            <a:ext cx="338554" cy="400110"/>
           </a:xfrm>
           <a:prstGeom prst="rect">
             <a:avLst/>
@@ -3584,68 +3534,20 @@
           </a:bodyPr>
           <a:lstStyle/>
           <a:p>
-            <a:pPr algn="ctr"/>
-            <a:r>
-              <a:rPr lang="en-US" altLang="zh-CN" sz="3600" dirty="0">
-                <a:solidFill>
-                  <a:schemeClr val="accent5">
-                    <a:lumMod val="50000"/>
-                  </a:schemeClr>
-                </a:solidFill>
-              </a:rPr>
-              <a:t>Adenoma</a:t>
-            </a:r>
-            <a:endParaRPr lang="zh-CN" altLang="en-US" sz="3600" dirty="0">
-              <a:solidFill>
-                <a:schemeClr val="accent5">
-                  <a:lumMod val="50000"/>
-                </a:schemeClr>
-              </a:solidFill>
-            </a:endParaRPr>
-          </a:p>
-        </p:txBody>
-      </p:sp>
-      <p:pic>
-        <p:nvPicPr>
-          <p:cNvPr id="29" name="Picture 28">
+            <a:r>
+              <a:rPr lang="en-US" altLang="zh-CN" sz="2000" b="1" dirty="0"/>
+              <a:t>b</a:t>
+            </a:r>
+            <a:endParaRPr lang="zh-CN" altLang="en-US" sz="2000" b="1" dirty="0"/>
+          </a:p>
+        </p:txBody>
+      </p:sp>
+      <p:sp>
+        <p:nvSpPr>
+          <p:cNvPr id="11" name="TextBox 10">
             <a:extLst>
               <a:ext uri="{FF2B5EF4-FFF2-40B4-BE49-F238E27FC236}">
-                <a16:creationId xmlns:a16="http://schemas.microsoft.com/office/drawing/2014/main" id="{377302FF-7568-4A7E-9C5F-484FE60C43AD}"/>
-              </a:ext>
-            </a:extLst>
-          </p:cNvPr>
-          <p:cNvPicPr>
-            <a:picLocks noChangeAspect="1"/>
-          </p:cNvPicPr>
-          <p:nvPr/>
-        </p:nvPicPr>
-        <p:blipFill>
-          <a:blip r:embed="rId5">
-            <a:extLst>
-              <a:ext uri="{28A0092B-C50C-407E-A947-70E740481C1C}">
-                <a14:useLocalDpi xmlns:a14="http://schemas.microsoft.com/office/drawing/2010/main" val="0"/>
-              </a:ext>
-            </a:extLst>
-          </a:blip>
-          <a:srcRect/>
-          <a:stretch/>
-        </p:blipFill>
-        <p:spPr>
-          <a:xfrm>
-            <a:off x="23328920" y="1323683"/>
-            <a:ext cx="10314680" cy="7726753"/>
-          </a:xfrm>
-          <a:prstGeom prst="rect">
-            <a:avLst/>
-          </a:prstGeom>
-        </p:spPr>
-      </p:pic>
-      <p:sp>
-        <p:nvSpPr>
-          <p:cNvPr id="30" name="TextBox 29">
-            <a:extLst>
-              <a:ext uri="{FF2B5EF4-FFF2-40B4-BE49-F238E27FC236}">
-                <a16:creationId xmlns:a16="http://schemas.microsoft.com/office/drawing/2014/main" id="{7A6D93CB-A368-48EF-9E6B-ECB48720377E}"/>
+                <a16:creationId xmlns:a16="http://schemas.microsoft.com/office/drawing/2014/main" id="{1EC06CD3-972B-46A6-8232-73415F25DD8E}"/>
               </a:ext>
             </a:extLst>
           </p:cNvPr>
@@ -3654,8 +3556,8 @@
         </p:nvSpPr>
         <p:spPr>
           <a:xfrm>
-            <a:off x="27772702" y="540005"/>
-            <a:ext cx="2127250" cy="646331"/>
+            <a:off x="186880" y="82273"/>
+            <a:ext cx="319318" cy="400110"/>
           </a:xfrm>
           <a:prstGeom prst="rect">
             <a:avLst/>
@@ -3668,29 +3570,20 @@
           </a:bodyPr>
           <a:lstStyle/>
           <a:p>
-            <a:pPr algn="ctr"/>
-            <a:r>
-              <a:rPr lang="en-US" altLang="zh-CN" sz="3600" dirty="0">
-                <a:solidFill>
-                  <a:srgbClr val="C00000"/>
-                </a:solidFill>
-              </a:rPr>
-              <a:t>CRC group</a:t>
-            </a:r>
-            <a:endParaRPr lang="zh-CN" altLang="en-US" sz="3600" dirty="0">
-              <a:solidFill>
-                <a:srgbClr val="C00000"/>
-              </a:solidFill>
-            </a:endParaRPr>
-          </a:p>
-        </p:txBody>
-      </p:sp>
-      <p:sp>
-        <p:nvSpPr>
-          <p:cNvPr id="31" name="TextBox 30">
+            <a:r>
+              <a:rPr lang="en-US" altLang="zh-CN" sz="2000" b="1" dirty="0"/>
+              <a:t>a</a:t>
+            </a:r>
+            <a:endParaRPr lang="zh-CN" altLang="en-US" sz="2000" b="1" dirty="0"/>
+          </a:p>
+        </p:txBody>
+      </p:sp>
+      <p:sp>
+        <p:nvSpPr>
+          <p:cNvPr id="12" name="TextBox 11">
             <a:extLst>
               <a:ext uri="{FF2B5EF4-FFF2-40B4-BE49-F238E27FC236}">
-                <a16:creationId xmlns:a16="http://schemas.microsoft.com/office/drawing/2014/main" id="{896A76DF-36B0-4236-AEE7-D0342D153FF7}"/>
+                <a16:creationId xmlns:a16="http://schemas.microsoft.com/office/drawing/2014/main" id="{5A298850-AC1D-497D-A34C-82EEC869F4D6}"/>
               </a:ext>
             </a:extLst>
           </p:cNvPr>
@@ -3699,8 +3592,8 @@
         </p:nvSpPr>
         <p:spPr>
           <a:xfrm>
-            <a:off x="428419" y="9482350"/>
-            <a:ext cx="2455457" cy="523220"/>
+            <a:off x="186880" y="6835430"/>
+            <a:ext cx="1415452" cy="338554"/>
           </a:xfrm>
           <a:prstGeom prst="rect">
             <a:avLst/>
@@ -3714,10 +3607,14 @@
           <a:lstStyle/>
           <a:p>
             <a:r>
-              <a:rPr lang="en-US" sz="2800" b="1" dirty="0"/>
-              <a:t>S figure 6 </a:t>
-            </a:r>
-            <a:endParaRPr lang="en-HK" sz="2800" b="1" dirty="0"/>
+              <a:rPr lang="en-US" sz="1600" b="1" dirty="0"/>
+              <a:t>S </a:t>
+            </a:r>
+            <a:r>
+              <a:rPr lang="en-US" sz="1600" b="1"/>
+              <a:t>figure 5  </a:t>
+            </a:r>
+            <a:endParaRPr lang="en-HK" sz="1600" b="1" dirty="0"/>
           </a:p>
         </p:txBody>
       </p:sp>
